--- a/main/reference/ae_diff.pptx
+++ b/main/reference/ae_diff.pptx
@@ -3412,7 +3412,7 @@
           <p:nvPr/>
         </p:nvGraphicFramePr>
         <p:xfrm rot="0">
-          <a:off x="2862526" y="1165860"/>
+          <a:off x="2642489" y="1165860"/>
           <a:ext cx="3657600" cy="2743200"/>
         </p:xfrm>
         <a:graphic>
@@ -3420,10 +3420,11 @@
             <a:tbl>
               <a:tblPr/>
               <a:tblGrid>
-                <a:gridCol w="2977693"/>
-                <a:gridCol w="1163085"/>
-                <a:gridCol w="1163085"/>
-                <a:gridCol w="1163085"/>
+                <a:gridCol w="2780359"/>
+                <a:gridCol w="1031666"/>
+                <a:gridCol w="1031666"/>
+                <a:gridCol w="1031666"/>
+                <a:gridCol w="1031666"/>
               </a:tblGrid>
               <a:tr h="268114">
                 <a:tc>
@@ -3514,6 +3515,17 @@
                         </a:spcAft>
                         <a:buNone/>
                       </a:pPr>
+                      <a:endParaRPr cap="none" sz="1400" i="0" b="1" u="none">
+                        <a:solidFill>
+                          <a:srgbClr val="FFFFFF">
+                            <a:alpha val="100000"/>
+                          </a:srgbClr>
+                        </a:solidFill>
+                        <a:latin typeface="arial"/>
+                        <a:cs typeface="arial"/>
+                        <a:ea typeface="arial"/>
+                        <a:sym typeface="arial"/>
+                      </a:endParaRPr>
                       <a:r>
                         <a:rPr cap="none" sz="1400" i="0" b="1" u="none">
                           <a:solidFill>
@@ -3526,7 +3538,7 @@
                           <a:ea typeface="arial"/>
                           <a:sym typeface="arial"/>
                         </a:rPr>
-                        <a:t>A: Drug X</a:t>
+                        <a:t/>
                       </a:r>
                     </a:p>
                   </a:txBody>
@@ -3571,6 +3583,17 @@
                         </a:spcAft>
                         <a:buNone/>
                       </a:pPr>
+                      <a:endParaRPr cap="none" sz="1400" i="0" b="1" u="none">
+                        <a:solidFill>
+                          <a:srgbClr val="FFFFFF">
+                            <a:alpha val="100000"/>
+                          </a:srgbClr>
+                        </a:solidFill>
+                        <a:latin typeface="arial"/>
+                        <a:cs typeface="arial"/>
+                        <a:ea typeface="arial"/>
+                        <a:sym typeface="arial"/>
+                      </a:endParaRPr>
                       <a:r>
                         <a:rPr cap="none" sz="1400" i="0" b="1" u="none">
                           <a:solidFill>
@@ -3583,7 +3606,7 @@
                           <a:ea typeface="arial"/>
                           <a:sym typeface="arial"/>
                         </a:rPr>
-                        <a:t>B: Placebo</a:t>
+                        <a:t/>
                       </a:r>
                     </a:p>
                   </a:txBody>
@@ -3628,6 +3651,17 @@
                         </a:spcAft>
                         <a:buNone/>
                       </a:pPr>
+                      <a:endParaRPr cap="none" sz="1400" i="0" b="1" u="none">
+                        <a:solidFill>
+                          <a:srgbClr val="FFFFFF">
+                            <a:alpha val="100000"/>
+                          </a:srgbClr>
+                        </a:solidFill>
+                        <a:latin typeface="arial"/>
+                        <a:cs typeface="arial"/>
+                        <a:ea typeface="arial"/>
+                        <a:sym typeface="arial"/>
+                      </a:endParaRPr>
                       <a:r>
                         <a:rPr cap="none" sz="1400" i="0" b="1" u="none">
                           <a:solidFill>
@@ -3640,66 +3674,7 @@
                           <a:ea typeface="arial"/>
                           <a:sym typeface="arial"/>
                         </a:rPr>
-                        <a:t>All Patients</a:t>
-                      </a:r>
-                    </a:p>
-                  </a:txBody>
-                  <a:tcPr anchor="ctr" marB="38100" marT="38100" marR="0" marL="0">
-                    <a:lnL algn="ctr" cmpd="sng" cap="flat" w="0">
-                      <a:noFill/>
-                      <a:prstDash val="solid"/>
-                    </a:lnL>
-                    <a:lnR algn="ctr" cmpd="sng" cap="flat" w="0">
-                      <a:noFill/>
-                      <a:prstDash val="solid"/>
-                    </a:lnR>
-                    <a:lnT algn="ctr" cmpd="sng" cap="flat" w="0">
-                      <a:noFill/>
-                      <a:prstDash val="solid"/>
-                    </a:lnT>
-                    <a:lnB algn="ctr" cmpd="sng" cap="flat" w="0">
-                      <a:noFill/>
-                      <a:prstDash val="solid"/>
-                    </a:lnB>
-                    <a:solidFill>
-                      <a:srgbClr val="ED4A0D">
-                        <a:alpha val="100000"/>
-                      </a:srgbClr>
-                    </a:solidFill>
-                  </a:tcPr>
-                </a:tc>
-              </a:tr>
-              <a:tr h="267333">
-                <a:tc>
-                  <a:txBody>
-                    <a:bodyPr/>
-                    <a:lstStyle/>
-                    <a:p>
-                      <a:pPr algn="ctr" marL="63500" marR="63500">
-                        <a:lnSpc>
-                          <a:spcPct val="100000"/>
-                        </a:lnSpc>
-                        <a:spcBef>
-                          <a:spcPts val="300"/>
-                        </a:spcBef>
-                        <a:spcAft>
-                          <a:spcPts val="300"/>
-                        </a:spcAft>
-                        <a:buNone/>
-                      </a:pPr>
-                      <a:r>
-                        <a:rPr cap="none" sz="1400" i="0" b="1" u="none">
-                          <a:solidFill>
-                            <a:srgbClr val="FFFFFF">
-                              <a:alpha val="100000"/>
-                            </a:srgbClr>
-                          </a:solidFill>
-                          <a:latin typeface="arial"/>
-                          <a:cs typeface="arial"/>
-                          <a:ea typeface="arial"/>
-                          <a:sym typeface="arial"/>
-                        </a:rPr>
-                        <a:t>   MedDRA Preferred Term N (%)</a:t>
+                        <a:t/>
                       </a:r>
                     </a:p>
                   </a:txBody>
@@ -3744,6 +3719,17 @@
                         </a:spcAft>
                         <a:buNone/>
                       </a:pPr>
+                      <a:endParaRPr cap="none" sz="1400" i="0" b="1" u="none">
+                        <a:solidFill>
+                          <a:srgbClr val="FFFFFF">
+                            <a:alpha val="100000"/>
+                          </a:srgbClr>
+                        </a:solidFill>
+                        <a:latin typeface="arial"/>
+                        <a:cs typeface="arial"/>
+                        <a:ea typeface="arial"/>
+                        <a:sym typeface="arial"/>
+                      </a:endParaRPr>
                       <a:r>
                         <a:rPr cap="none" sz="1400" i="0" b="1" u="none">
                           <a:solidFill>
@@ -3756,7 +3742,7 @@
                           <a:ea typeface="arial"/>
                           <a:sym typeface="arial"/>
                         </a:rPr>
-                        <a:t>(N=134)</a:t>
+                        <a:t/>
                       </a:r>
                     </a:p>
                   </a:txBody>
@@ -3779,6 +3765,65 @@
                     </a:lnB>
                     <a:solidFill>
                       <a:srgbClr val="ED4A0D">
+                        <a:alpha val="100000"/>
+                      </a:srgbClr>
+                    </a:solidFill>
+                  </a:tcPr>
+                </a:tc>
+              </a:tr>
+              <a:tr h="243582">
+                <a:tc>
+                  <a:txBody>
+                    <a:bodyPr/>
+                    <a:lstStyle/>
+                    <a:p>
+                      <a:pPr algn="l" marL="127000" marR="63500">
+                        <a:lnSpc>
+                          <a:spcPct val="100000"/>
+                        </a:lnSpc>
+                        <a:spcBef>
+                          <a:spcPts val="300"/>
+                        </a:spcBef>
+                        <a:spcAft>
+                          <a:spcPts val="300"/>
+                        </a:spcAft>
+                        <a:buNone/>
+                      </a:pPr>
+                      <a:r>
+                        <a:rPr cap="none" sz="1200" i="0" b="0" u="none">
+                          <a:solidFill>
+                            <a:srgbClr val="000000">
+                              <a:alpha val="100000"/>
+                            </a:srgbClr>
+                          </a:solidFill>
+                          <a:latin typeface="arial"/>
+                          <a:cs typeface="arial"/>
+                          <a:ea typeface="arial"/>
+                          <a:sym typeface="arial"/>
+                        </a:rPr>
+                        <a:t>   MedDRA Preferred Term N (%)</a:t>
+                      </a:r>
+                    </a:p>
+                  </a:txBody>
+                  <a:tcPr anchor="ctr" marB="38100" marT="38100" marR="0" marL="0">
+                    <a:lnL algn="ctr" cmpd="sng" cap="flat" w="0">
+                      <a:noFill/>
+                      <a:prstDash val="solid"/>
+                    </a:lnL>
+                    <a:lnR algn="ctr" cmpd="sng" cap="flat" w="0">
+                      <a:noFill/>
+                      <a:prstDash val="solid"/>
+                    </a:lnR>
+                    <a:lnT algn="ctr" cmpd="sng" cap="flat" w="0">
+                      <a:noFill/>
+                      <a:prstDash val="solid"/>
+                    </a:lnT>
+                    <a:lnB algn="ctr" cmpd="sng" cap="flat" w="0">
+                      <a:noFill/>
+                      <a:prstDash val="solid"/>
+                    </a:lnB>
+                    <a:solidFill>
+                      <a:srgbClr val="FF7D29">
                         <a:alpha val="100000"/>
                       </a:srgbClr>
                     </a:solidFill>
@@ -3802,9 +3847,9 @@
                         <a:buNone/>
                       </a:pPr>
                       <a:r>
-                        <a:rPr cap="none" sz="1400" i="0" b="1" u="none">
+                        <a:rPr cap="none" sz="1200" i="0" b="0" u="none">
                           <a:solidFill>
-                            <a:srgbClr val="FFFFFF">
+                            <a:srgbClr val="000000">
                               <a:alpha val="100000"/>
                             </a:srgbClr>
                           </a:solidFill>
@@ -3813,7 +3858,7 @@
                           <a:ea typeface="arial"/>
                           <a:sym typeface="arial"/>
                         </a:rPr>
-                        <a:t>(N=134)</a:t>
+                        <a:t>A: Drug X</a:t>
                       </a:r>
                     </a:p>
                   </a:txBody>
@@ -3835,7 +3880,7 @@
                       <a:prstDash val="solid"/>
                     </a:lnB>
                     <a:solidFill>
-                      <a:srgbClr val="ED4A0D">
+                      <a:srgbClr val="FF7D29">
                         <a:alpha val="100000"/>
                       </a:srgbClr>
                     </a:solidFill>
@@ -3859,9 +3904,9 @@
                         <a:buNone/>
                       </a:pPr>
                       <a:r>
-                        <a:rPr cap="none" sz="1400" i="0" b="1" u="none">
+                        <a:rPr cap="none" sz="1200" i="0" b="0" u="none">
                           <a:solidFill>
-                            <a:srgbClr val="FFFFFF">
+                            <a:srgbClr val="000000">
                               <a:alpha val="100000"/>
                             </a:srgbClr>
                           </a:solidFill>
@@ -3870,7 +3915,7 @@
                           <a:ea typeface="arial"/>
                           <a:sym typeface="arial"/>
                         </a:rPr>
-                        <a:t>(N=268)</a:t>
+                        <a:t>B: Placebo</a:t>
                       </a:r>
                     </a:p>
                   </a:txBody>
@@ -3892,7 +3937,121 @@
                       <a:prstDash val="solid"/>
                     </a:lnB>
                     <a:solidFill>
-                      <a:srgbClr val="ED4A0D">
+                      <a:srgbClr val="FF7D29">
+                        <a:alpha val="100000"/>
+                      </a:srgbClr>
+                    </a:solidFill>
+                  </a:tcPr>
+                </a:tc>
+                <a:tc>
+                  <a:txBody>
+                    <a:bodyPr/>
+                    <a:lstStyle/>
+                    <a:p>
+                      <a:pPr algn="ctr" marL="63500" marR="63500">
+                        <a:lnSpc>
+                          <a:spcPct val="100000"/>
+                        </a:lnSpc>
+                        <a:spcBef>
+                          <a:spcPts val="300"/>
+                        </a:spcBef>
+                        <a:spcAft>
+                          <a:spcPts val="300"/>
+                        </a:spcAft>
+                        <a:buNone/>
+                      </a:pPr>
+                      <a:r>
+                        <a:rPr cap="none" sz="1200" i="0" b="0" u="none">
+                          <a:solidFill>
+                            <a:srgbClr val="000000">
+                              <a:alpha val="100000"/>
+                            </a:srgbClr>
+                          </a:solidFill>
+                          <a:latin typeface="arial"/>
+                          <a:cs typeface="arial"/>
+                          <a:ea typeface="arial"/>
+                          <a:sym typeface="arial"/>
+                        </a:rPr>
+                        <a:t>All Patients</a:t>
+                      </a:r>
+                    </a:p>
+                  </a:txBody>
+                  <a:tcPr anchor="ctr" marB="38100" marT="38100" marR="0" marL="0">
+                    <a:lnL algn="ctr" cmpd="sng" cap="flat" w="0">
+                      <a:noFill/>
+                      <a:prstDash val="solid"/>
+                    </a:lnL>
+                    <a:lnR algn="ctr" cmpd="sng" cap="flat" w="0">
+                      <a:noFill/>
+                      <a:prstDash val="solid"/>
+                    </a:lnR>
+                    <a:lnT algn="ctr" cmpd="sng" cap="flat" w="0">
+                      <a:noFill/>
+                      <a:prstDash val="solid"/>
+                    </a:lnT>
+                    <a:lnB algn="ctr" cmpd="sng" cap="flat" w="0">
+                      <a:noFill/>
+                      <a:prstDash val="solid"/>
+                    </a:lnB>
+                    <a:solidFill>
+                      <a:srgbClr val="FF7D29">
+                        <a:alpha val="100000"/>
+                      </a:srgbClr>
+                    </a:solidFill>
+                  </a:tcPr>
+                </a:tc>
+                <a:tc>
+                  <a:txBody>
+                    <a:bodyPr/>
+                    <a:lstStyle/>
+                    <a:p>
+                      <a:pPr algn="ctr" marL="63500" marR="63500">
+                        <a:lnSpc>
+                          <a:spcPct val="100000"/>
+                        </a:lnSpc>
+                        <a:spcBef>
+                          <a:spcPts val="300"/>
+                        </a:spcBef>
+                        <a:spcAft>
+                          <a:spcPts val="300"/>
+                        </a:spcAft>
+                        <a:buNone/>
+                      </a:pPr>
+                      <a:r>
+                        <a:rPr cap="none" sz="1200" i="0" b="0" u="none">
+                          <a:solidFill>
+                            <a:srgbClr val="000000">
+                              <a:alpha val="100000"/>
+                            </a:srgbClr>
+                          </a:solidFill>
+                          <a:latin typeface="arial"/>
+                          <a:cs typeface="arial"/>
+                          <a:ea typeface="arial"/>
+                          <a:sym typeface="arial"/>
+                        </a:rPr>
+                        <a:t>All Patients</a:t>
+                      </a:r>
+                    </a:p>
+                  </a:txBody>
+                  <a:tcPr anchor="ctr" marB="38100" marT="38100" marR="0" marL="0">
+                    <a:lnL algn="ctr" cmpd="sng" cap="flat" w="0">
+                      <a:noFill/>
+                      <a:prstDash val="solid"/>
+                    </a:lnL>
+                    <a:lnR algn="ctr" cmpd="sng" cap="flat" w="0">
+                      <a:noFill/>
+                      <a:prstDash val="solid"/>
+                    </a:lnR>
+                    <a:lnT algn="ctr" cmpd="sng" cap="flat" w="0">
+                      <a:noFill/>
+                      <a:prstDash val="solid"/>
+                    </a:lnT>
+                    <a:lnB algn="ctr" cmpd="sng" cap="flat" w="0">
+                      <a:noFill/>
+                      <a:prstDash val="solid"/>
+                    </a:lnB>
+                    <a:solidFill>
+                      <a:srgbClr val="FF7D29">
                         <a:alpha val="100000"/>
                       </a:srgbClr>
                     </a:solidFill>
@@ -3951,7 +4110,7 @@
                       <a:prstDash val="solid"/>
                     </a:lnB>
                     <a:solidFill>
-                      <a:srgbClr val="FF7D29">
+                      <a:srgbClr val="FFBD69">
                         <a:alpha val="100000"/>
                       </a:srgbClr>
                     </a:solidFill>
@@ -4019,7 +4178,7 @@
                       <a:prstDash val="solid"/>
                     </a:lnB>
                     <a:solidFill>
-                      <a:srgbClr val="FF7D29">
+                      <a:srgbClr val="FFBD69">
                         <a:alpha val="100000"/>
                       </a:srgbClr>
                     </a:solidFill>
@@ -4087,7 +4246,7 @@
                       <a:prstDash val="solid"/>
                     </a:lnB>
                     <a:solidFill>
-                      <a:srgbClr val="FF7D29">
+                      <a:srgbClr val="FFBD69">
                         <a:alpha val="100000"/>
                       </a:srgbClr>
                     </a:solidFill>
@@ -4155,296 +4314,7 @@
                       <a:prstDash val="solid"/>
                     </a:lnB>
                     <a:solidFill>
-                      <a:srgbClr val="FF7D29">
-                        <a:alpha val="100000"/>
-                      </a:srgbClr>
-                    </a:solidFill>
-                  </a:tcPr>
-                </a:tc>
-              </a:tr>
-              <a:tr h="243582">
-                <a:tc>
-                  <a:txBody>
-                    <a:bodyPr/>
-                    <a:lstStyle/>
-                    <a:p>
-                      <a:pPr algn="l" marL="127000" marR="63500">
-                        <a:lnSpc>
-                          <a:spcPct val="100000"/>
-                        </a:lnSpc>
-                        <a:spcBef>
-                          <a:spcPts val="300"/>
-                        </a:spcBef>
-                        <a:spcAft>
-                          <a:spcPts val="300"/>
-                        </a:spcAft>
-                        <a:buNone/>
-                      </a:pPr>
-                      <a:r>
-                        <a:rPr cap="none" sz="1200" i="0" b="0" u="none">
-                          <a:solidFill>
-                            <a:srgbClr val="000000">
-                              <a:alpha val="100000"/>
-                            </a:srgbClr>
-                          </a:solidFill>
-                          <a:latin typeface="arial"/>
-                          <a:cs typeface="arial"/>
-                          <a:ea typeface="arial"/>
-                          <a:sym typeface="arial"/>
-                        </a:rPr>
-                        <a:t>dcd A.1.1.1.1</a:t>
-                      </a:r>
-                    </a:p>
-                  </a:txBody>
-                  <a:tcPr anchor="ctr" marB="38100" marT="38100" marR="0" marL="0">
-                    <a:lnL algn="ctr" cmpd="sng" cap="flat" w="0">
-                      <a:noFill/>
-                      <a:prstDash val="solid"/>
-                    </a:lnL>
-                    <a:lnR algn="ctr" cmpd="sng" cap="flat" w="0">
-                      <a:noFill/>
-                      <a:prstDash val="solid"/>
-                    </a:lnR>
-                    <a:lnT algn="ctr" cmpd="sng" cap="flat" w="0">
-                      <a:noFill/>
-                      <a:prstDash val="solid"/>
-                    </a:lnT>
-                    <a:lnB algn="ctr" cmpd="sng" cap="flat" w="0">
-                      <a:noFill/>
-                      <a:prstDash val="solid"/>
-                    </a:lnB>
-                    <a:solidFill>
                       <a:srgbClr val="FFBD69">
-                        <a:alpha val="100000"/>
-                      </a:srgbClr>
-                    </a:solidFill>
-                  </a:tcPr>
-                </a:tc>
-                <a:tc>
-                  <a:txBody>
-                    <a:bodyPr/>
-                    <a:lstStyle/>
-                    <a:p>
-                      <a:pPr algn="ctr" marL="63500" marR="63500">
-                        <a:lnSpc>
-                          <a:spcPct val="100000"/>
-                        </a:lnSpc>
-                        <a:spcBef>
-                          <a:spcPts val="300"/>
-                        </a:spcBef>
-                        <a:spcAft>
-                          <a:spcPts val="300"/>
-                        </a:spcAft>
-                        <a:buNone/>
-                      </a:pPr>
-                      <a:r>
-                        <a:rPr cap="none" sz="1200" i="0" b="0" u="none">
-                          <a:solidFill>
-                            <a:srgbClr val="000000">
-                              <a:alpha val="100000"/>
-                            </a:srgbClr>
-                          </a:solidFill>
-                          <a:latin typeface="arial"/>
-                          <a:cs typeface="arial"/>
-                          <a:ea typeface="arial"/>
-                          <a:sym typeface="arial"/>
-                        </a:rPr>
-                        <a:t>45 (33.6%)</a:t>
-                      </a:r>
-                    </a:p>
-                  </a:txBody>
-                  <a:tcPr anchor="ctr" marB="38100" marT="38100" marR="0" marL="0">
-                    <a:lnL algn="ctr" cmpd="sng" cap="flat" w="0">
-                      <a:noFill/>
-                      <a:prstDash val="solid"/>
-                    </a:lnL>
-                    <a:lnR algn="ctr" cmpd="sng" cap="flat" w="0">
-                      <a:noFill/>
-                      <a:prstDash val="solid"/>
-                    </a:lnR>
-                    <a:lnT algn="ctr" cmpd="sng" cap="flat" w="0">
-                      <a:noFill/>
-                      <a:prstDash val="solid"/>
-                    </a:lnT>
-                    <a:lnB algn="ctr" cmpd="sng" cap="flat" w="0">
-                      <a:noFill/>
-                      <a:prstDash val="solid"/>
-                    </a:lnB>
-                    <a:solidFill>
-                      <a:srgbClr val="FFBD69">
-                        <a:alpha val="100000"/>
-                      </a:srgbClr>
-                    </a:solidFill>
-                  </a:tcPr>
-                </a:tc>
-                <a:tc>
-                  <a:txBody>
-                    <a:bodyPr/>
-                    <a:lstStyle/>
-                    <a:p>
-                      <a:pPr algn="ctr" marL="63500" marR="63500">
-                        <a:lnSpc>
-                          <a:spcPct val="100000"/>
-                        </a:lnSpc>
-                        <a:spcBef>
-                          <a:spcPts val="300"/>
-                        </a:spcBef>
-                        <a:spcAft>
-                          <a:spcPts val="300"/>
-                        </a:spcAft>
-                        <a:buNone/>
-                      </a:pPr>
-                      <a:r>
-                        <a:rPr cap="none" sz="1200" i="0" b="0" u="none">
-                          <a:solidFill>
-                            <a:srgbClr val="000000">
-                              <a:alpha val="100000"/>
-                            </a:srgbClr>
-                          </a:solidFill>
-                          <a:latin typeface="arial"/>
-                          <a:cs typeface="arial"/>
-                          <a:ea typeface="arial"/>
-                          <a:sym typeface="arial"/>
-                        </a:rPr>
-                        <a:t>31 (23.1%)</a:t>
-                      </a:r>
-                    </a:p>
-                  </a:txBody>
-                  <a:tcPr anchor="ctr" marB="38100" marT="38100" marR="0" marL="0">
-                    <a:lnL algn="ctr" cmpd="sng" cap="flat" w="0">
-                      <a:noFill/>
-                      <a:prstDash val="solid"/>
-                    </a:lnL>
-                    <a:lnR algn="ctr" cmpd="sng" cap="flat" w="0">
-                      <a:noFill/>
-                      <a:prstDash val="solid"/>
-                    </a:lnR>
-                    <a:lnT algn="ctr" cmpd="sng" cap="flat" w="0">
-                      <a:noFill/>
-                      <a:prstDash val="solid"/>
-                    </a:lnT>
-                    <a:lnB algn="ctr" cmpd="sng" cap="flat" w="0">
-                      <a:noFill/>
-                      <a:prstDash val="solid"/>
-                    </a:lnB>
-                    <a:solidFill>
-                      <a:srgbClr val="FFBD69">
-                        <a:alpha val="100000"/>
-                      </a:srgbClr>
-                    </a:solidFill>
-                  </a:tcPr>
-                </a:tc>
-                <a:tc>
-                  <a:txBody>
-                    <a:bodyPr/>
-                    <a:lstStyle/>
-                    <a:p>
-                      <a:pPr algn="ctr" marL="63500" marR="63500">
-                        <a:lnSpc>
-                          <a:spcPct val="100000"/>
-                        </a:lnSpc>
-                        <a:spcBef>
-                          <a:spcPts val="300"/>
-                        </a:spcBef>
-                        <a:spcAft>
-                          <a:spcPts val="300"/>
-                        </a:spcAft>
-                        <a:buNone/>
-                      </a:pPr>
-                      <a:r>
-                        <a:rPr cap="none" sz="1200" i="0" b="0" u="none">
-                          <a:solidFill>
-                            <a:srgbClr val="000000">
-                              <a:alpha val="100000"/>
-                            </a:srgbClr>
-                          </a:solidFill>
-                          <a:latin typeface="arial"/>
-                          <a:cs typeface="arial"/>
-                          <a:ea typeface="arial"/>
-                          <a:sym typeface="arial"/>
-                        </a:rPr>
-                        <a:t>76 (28.4%)</a:t>
-                      </a:r>
-                    </a:p>
-                  </a:txBody>
-                  <a:tcPr anchor="ctr" marB="38100" marT="38100" marR="0" marL="0">
-                    <a:lnL algn="ctr" cmpd="sng" cap="flat" w="0">
-                      <a:noFill/>
-                      <a:prstDash val="solid"/>
-                    </a:lnL>
-                    <a:lnR algn="ctr" cmpd="sng" cap="flat" w="0">
-                      <a:noFill/>
-                      <a:prstDash val="solid"/>
-                    </a:lnR>
-                    <a:lnT algn="ctr" cmpd="sng" cap="flat" w="0">
-                      <a:noFill/>
-                      <a:prstDash val="solid"/>
-                    </a:lnT>
-                    <a:lnB algn="ctr" cmpd="sng" cap="flat" w="0">
-                      <a:noFill/>
-                      <a:prstDash val="solid"/>
-                    </a:lnB>
-                    <a:solidFill>
-                      <a:srgbClr val="FFBD69">
-                        <a:alpha val="100000"/>
-                      </a:srgbClr>
-                    </a:solidFill>
-                  </a:tcPr>
-                </a:tc>
-              </a:tr>
-              <a:tr h="213519">
-                <a:tc>
-                  <a:txBody>
-                    <a:bodyPr/>
-                    <a:lstStyle/>
-                    <a:p>
-                      <a:pPr algn="l" marL="127000" marR="63500">
-                        <a:lnSpc>
-                          <a:spcPct val="100000"/>
-                        </a:lnSpc>
-                        <a:spcBef>
-                          <a:spcPts val="300"/>
-                        </a:spcBef>
-                        <a:spcAft>
-                          <a:spcPts val="300"/>
-                        </a:spcAft>
-                        <a:buNone/>
-                      </a:pPr>
-                      <a:r>
-                        <a:rPr cap="none" sz="1200" i="0" b="0" u="none">
-                          <a:solidFill>
-                            <a:srgbClr val="000000">
-                              <a:alpha val="100000"/>
-                            </a:srgbClr>
-                          </a:solidFill>
-                          <a:latin typeface="arial"/>
-                          <a:cs typeface="arial"/>
-                          <a:ea typeface="arial"/>
-                          <a:sym typeface="arial"/>
-                        </a:rPr>
-                        <a:t>cl B.2</a:t>
-                      </a:r>
-                    </a:p>
-                  </a:txBody>
-                  <a:tcPr anchor="ctr" marB="38100" marT="38100" marR="0" marL="0">
-                    <a:lnL algn="ctr" cmpd="sng" cap="flat" w="0">
-                      <a:noFill/>
-                      <a:prstDash val="solid"/>
-                    </a:lnL>
-                    <a:lnR algn="ctr" cmpd="sng" cap="flat" w="0">
-                      <a:noFill/>
-                      <a:prstDash val="solid"/>
-                    </a:lnR>
-                    <a:lnT algn="ctr" cmpd="sng" cap="flat" w="0">
-                      <a:noFill/>
-                      <a:prstDash val="solid"/>
-                    </a:lnT>
-                    <a:lnB algn="ctr" cmpd="sng" cap="flat" w="0">
-                      <a:noFill/>
-                      <a:prstDash val="solid"/>
-                    </a:lnB>
-                    <a:solidFill>
-                      <a:srgbClr val="FF7D29">
                         <a:alpha val="100000"/>
                       </a:srgbClr>
                     </a:solidFill>
@@ -4512,7 +4382,353 @@
                       <a:prstDash val="solid"/>
                     </a:lnB>
                     <a:solidFill>
+                      <a:srgbClr val="FFBD69">
+                        <a:alpha val="100000"/>
+                      </a:srgbClr>
+                    </a:solidFill>
+                  </a:tcPr>
+                </a:tc>
+              </a:tr>
+              <a:tr h="243582">
+                <a:tc>
+                  <a:txBody>
+                    <a:bodyPr/>
+                    <a:lstStyle/>
+                    <a:p>
+                      <a:pPr algn="l" marL="127000" marR="63500">
+                        <a:lnSpc>
+                          <a:spcPct val="100000"/>
+                        </a:lnSpc>
+                        <a:spcBef>
+                          <a:spcPts val="300"/>
+                        </a:spcBef>
+                        <a:spcAft>
+                          <a:spcPts val="300"/>
+                        </a:spcAft>
+                        <a:buNone/>
+                      </a:pPr>
+                      <a:r>
+                        <a:rPr cap="none" sz="1200" i="0" b="0" u="none">
+                          <a:solidFill>
+                            <a:srgbClr val="000000">
+                              <a:alpha val="100000"/>
+                            </a:srgbClr>
+                          </a:solidFill>
+                          <a:latin typeface="arial"/>
+                          <a:cs typeface="arial"/>
+                          <a:ea typeface="arial"/>
+                          <a:sym typeface="arial"/>
+                        </a:rPr>
+                        <a:t>dcd A.1.1.1.1</a:t>
+                      </a:r>
+                    </a:p>
+                  </a:txBody>
+                  <a:tcPr anchor="ctr" marB="38100" marT="38100" marR="0" marL="0">
+                    <a:lnL algn="ctr" cmpd="sng" cap="flat" w="0">
+                      <a:noFill/>
+                      <a:prstDash val="solid"/>
+                    </a:lnL>
+                    <a:lnR algn="ctr" cmpd="sng" cap="flat" w="0">
+                      <a:noFill/>
+                      <a:prstDash val="solid"/>
+                    </a:lnR>
+                    <a:lnT algn="ctr" cmpd="sng" cap="flat" w="0">
+                      <a:noFill/>
+                      <a:prstDash val="solid"/>
+                    </a:lnT>
+                    <a:lnB algn="ctr" cmpd="sng" cap="flat" w="0">
+                      <a:noFill/>
+                      <a:prstDash val="solid"/>
+                    </a:lnB>
+                    <a:solidFill>
                       <a:srgbClr val="FF7D29">
+                        <a:alpha val="100000"/>
+                      </a:srgbClr>
+                    </a:solidFill>
+                  </a:tcPr>
+                </a:tc>
+                <a:tc>
+                  <a:txBody>
+                    <a:bodyPr/>
+                    <a:lstStyle/>
+                    <a:p>
+                      <a:pPr algn="ctr" marL="63500" marR="63500">
+                        <a:lnSpc>
+                          <a:spcPct val="100000"/>
+                        </a:lnSpc>
+                        <a:spcBef>
+                          <a:spcPts val="300"/>
+                        </a:spcBef>
+                        <a:spcAft>
+                          <a:spcPts val="300"/>
+                        </a:spcAft>
+                        <a:buNone/>
+                      </a:pPr>
+                      <a:r>
+                        <a:rPr cap="none" sz="1200" i="0" b="0" u="none">
+                          <a:solidFill>
+                            <a:srgbClr val="000000">
+                              <a:alpha val="100000"/>
+                            </a:srgbClr>
+                          </a:solidFill>
+                          <a:latin typeface="arial"/>
+                          <a:cs typeface="arial"/>
+                          <a:ea typeface="arial"/>
+                          <a:sym typeface="arial"/>
+                        </a:rPr>
+                        <a:t>45 (33.6%)</a:t>
+                      </a:r>
+                    </a:p>
+                  </a:txBody>
+                  <a:tcPr anchor="ctr" marB="38100" marT="38100" marR="0" marL="0">
+                    <a:lnL algn="ctr" cmpd="sng" cap="flat" w="0">
+                      <a:noFill/>
+                      <a:prstDash val="solid"/>
+                    </a:lnL>
+                    <a:lnR algn="ctr" cmpd="sng" cap="flat" w="0">
+                      <a:noFill/>
+                      <a:prstDash val="solid"/>
+                    </a:lnR>
+                    <a:lnT algn="ctr" cmpd="sng" cap="flat" w="0">
+                      <a:noFill/>
+                      <a:prstDash val="solid"/>
+                    </a:lnT>
+                    <a:lnB algn="ctr" cmpd="sng" cap="flat" w="0">
+                      <a:noFill/>
+                      <a:prstDash val="solid"/>
+                    </a:lnB>
+                    <a:solidFill>
+                      <a:srgbClr val="FF7D29">
+                        <a:alpha val="100000"/>
+                      </a:srgbClr>
+                    </a:solidFill>
+                  </a:tcPr>
+                </a:tc>
+                <a:tc>
+                  <a:txBody>
+                    <a:bodyPr/>
+                    <a:lstStyle/>
+                    <a:p>
+                      <a:pPr algn="ctr" marL="63500" marR="63500">
+                        <a:lnSpc>
+                          <a:spcPct val="100000"/>
+                        </a:lnSpc>
+                        <a:spcBef>
+                          <a:spcPts val="300"/>
+                        </a:spcBef>
+                        <a:spcAft>
+                          <a:spcPts val="300"/>
+                        </a:spcAft>
+                        <a:buNone/>
+                      </a:pPr>
+                      <a:r>
+                        <a:rPr cap="none" sz="1200" i="0" b="0" u="none">
+                          <a:solidFill>
+                            <a:srgbClr val="000000">
+                              <a:alpha val="100000"/>
+                            </a:srgbClr>
+                          </a:solidFill>
+                          <a:latin typeface="arial"/>
+                          <a:cs typeface="arial"/>
+                          <a:ea typeface="arial"/>
+                          <a:sym typeface="arial"/>
+                        </a:rPr>
+                        <a:t>31 (23.1%)</a:t>
+                      </a:r>
+                    </a:p>
+                  </a:txBody>
+                  <a:tcPr anchor="ctr" marB="38100" marT="38100" marR="0" marL="0">
+                    <a:lnL algn="ctr" cmpd="sng" cap="flat" w="0">
+                      <a:noFill/>
+                      <a:prstDash val="solid"/>
+                    </a:lnL>
+                    <a:lnR algn="ctr" cmpd="sng" cap="flat" w="0">
+                      <a:noFill/>
+                      <a:prstDash val="solid"/>
+                    </a:lnR>
+                    <a:lnT algn="ctr" cmpd="sng" cap="flat" w="0">
+                      <a:noFill/>
+                      <a:prstDash val="solid"/>
+                    </a:lnT>
+                    <a:lnB algn="ctr" cmpd="sng" cap="flat" w="0">
+                      <a:noFill/>
+                      <a:prstDash val="solid"/>
+                    </a:lnB>
+                    <a:solidFill>
+                      <a:srgbClr val="FF7D29">
+                        <a:alpha val="100000"/>
+                      </a:srgbClr>
+                    </a:solidFill>
+                  </a:tcPr>
+                </a:tc>
+                <a:tc>
+                  <a:txBody>
+                    <a:bodyPr/>
+                    <a:lstStyle/>
+                    <a:p>
+                      <a:pPr algn="ctr" marL="63500" marR="63500">
+                        <a:lnSpc>
+                          <a:spcPct val="100000"/>
+                        </a:lnSpc>
+                        <a:spcBef>
+                          <a:spcPts val="300"/>
+                        </a:spcBef>
+                        <a:spcAft>
+                          <a:spcPts val="300"/>
+                        </a:spcAft>
+                        <a:buNone/>
+                      </a:pPr>
+                      <a:r>
+                        <a:rPr cap="none" sz="1200" i="0" b="0" u="none">
+                          <a:solidFill>
+                            <a:srgbClr val="000000">
+                              <a:alpha val="100000"/>
+                            </a:srgbClr>
+                          </a:solidFill>
+                          <a:latin typeface="arial"/>
+                          <a:cs typeface="arial"/>
+                          <a:ea typeface="arial"/>
+                          <a:sym typeface="arial"/>
+                        </a:rPr>
+                        <a:t>76 (28.4%)</a:t>
+                      </a:r>
+                    </a:p>
+                  </a:txBody>
+                  <a:tcPr anchor="ctr" marB="38100" marT="38100" marR="0" marL="0">
+                    <a:lnL algn="ctr" cmpd="sng" cap="flat" w="0">
+                      <a:noFill/>
+                      <a:prstDash val="solid"/>
+                    </a:lnL>
+                    <a:lnR algn="ctr" cmpd="sng" cap="flat" w="0">
+                      <a:noFill/>
+                      <a:prstDash val="solid"/>
+                    </a:lnR>
+                    <a:lnT algn="ctr" cmpd="sng" cap="flat" w="0">
+                      <a:noFill/>
+                      <a:prstDash val="solid"/>
+                    </a:lnT>
+                    <a:lnB algn="ctr" cmpd="sng" cap="flat" w="0">
+                      <a:noFill/>
+                      <a:prstDash val="solid"/>
+                    </a:lnB>
+                    <a:solidFill>
+                      <a:srgbClr val="FF7D29">
+                        <a:alpha val="100000"/>
+                      </a:srgbClr>
+                    </a:solidFill>
+                  </a:tcPr>
+                </a:tc>
+                <a:tc>
+                  <a:txBody>
+                    <a:bodyPr/>
+                    <a:lstStyle/>
+                    <a:p>
+                      <a:pPr algn="ctr" marL="63500" marR="63500">
+                        <a:lnSpc>
+                          <a:spcPct val="100000"/>
+                        </a:lnSpc>
+                        <a:spcBef>
+                          <a:spcPts val="300"/>
+                        </a:spcBef>
+                        <a:spcAft>
+                          <a:spcPts val="300"/>
+                        </a:spcAft>
+                        <a:buNone/>
+                      </a:pPr>
+                      <a:r>
+                        <a:rPr cap="none" sz="1200" i="0" b="0" u="none">
+                          <a:solidFill>
+                            <a:srgbClr val="000000">
+                              <a:alpha val="100000"/>
+                            </a:srgbClr>
+                          </a:solidFill>
+                          <a:latin typeface="arial"/>
+                          <a:cs typeface="arial"/>
+                          <a:ea typeface="arial"/>
+                          <a:sym typeface="arial"/>
+                        </a:rPr>
+                        <a:t>128 (32.0%)</a:t>
+                      </a:r>
+                    </a:p>
+                  </a:txBody>
+                  <a:tcPr anchor="ctr" marB="38100" marT="38100" marR="0" marL="0">
+                    <a:lnL algn="ctr" cmpd="sng" cap="flat" w="0">
+                      <a:noFill/>
+                      <a:prstDash val="solid"/>
+                    </a:lnL>
+                    <a:lnR algn="ctr" cmpd="sng" cap="flat" w="0">
+                      <a:noFill/>
+                      <a:prstDash val="solid"/>
+                    </a:lnR>
+                    <a:lnT algn="ctr" cmpd="sng" cap="flat" w="0">
+                      <a:noFill/>
+                      <a:prstDash val="solid"/>
+                    </a:lnT>
+                    <a:lnB algn="ctr" cmpd="sng" cap="flat" w="0">
+                      <a:noFill/>
+                      <a:prstDash val="solid"/>
+                    </a:lnB>
+                    <a:solidFill>
+                      <a:srgbClr val="FF7D29">
+                        <a:alpha val="100000"/>
+                      </a:srgbClr>
+                    </a:solidFill>
+                  </a:tcPr>
+                </a:tc>
+              </a:tr>
+              <a:tr h="213519">
+                <a:tc>
+                  <a:txBody>
+                    <a:bodyPr/>
+                    <a:lstStyle/>
+                    <a:p>
+                      <a:pPr algn="l" marL="127000" marR="63500">
+                        <a:lnSpc>
+                          <a:spcPct val="100000"/>
+                        </a:lnSpc>
+                        <a:spcBef>
+                          <a:spcPts val="300"/>
+                        </a:spcBef>
+                        <a:spcAft>
+                          <a:spcPts val="300"/>
+                        </a:spcAft>
+                        <a:buNone/>
+                      </a:pPr>
+                      <a:r>
+                        <a:rPr cap="none" sz="1200" i="0" b="0" u="none">
+                          <a:solidFill>
+                            <a:srgbClr val="000000">
+                              <a:alpha val="100000"/>
+                            </a:srgbClr>
+                          </a:solidFill>
+                          <a:latin typeface="arial"/>
+                          <a:cs typeface="arial"/>
+                          <a:ea typeface="arial"/>
+                          <a:sym typeface="arial"/>
+                        </a:rPr>
+                        <a:t>cl B.2</a:t>
+                      </a:r>
+                    </a:p>
+                  </a:txBody>
+                  <a:tcPr anchor="ctr" marB="38100" marT="38100" marR="0" marL="0">
+                    <a:lnL algn="ctr" cmpd="sng" cap="flat" w="0">
+                      <a:noFill/>
+                      <a:prstDash val="solid"/>
+                    </a:lnL>
+                    <a:lnR algn="ctr" cmpd="sng" cap="flat" w="0">
+                      <a:noFill/>
+                      <a:prstDash val="solid"/>
+                    </a:lnR>
+                    <a:lnT algn="ctr" cmpd="sng" cap="flat" w="0">
+                      <a:noFill/>
+                      <a:prstDash val="solid"/>
+                    </a:lnT>
+                    <a:lnB algn="ctr" cmpd="sng" cap="flat" w="0">
+                      <a:noFill/>
+                      <a:prstDash val="solid"/>
+                    </a:lnB>
+                    <a:solidFill>
+                      <a:srgbClr val="FFBD69">
                         <a:alpha val="100000"/>
                       </a:srgbClr>
                     </a:solidFill>
@@ -4580,7 +4796,7 @@
                       <a:prstDash val="solid"/>
                     </a:lnB>
                     <a:solidFill>
-                      <a:srgbClr val="FF7D29">
+                      <a:srgbClr val="FFBD69">
                         <a:alpha val="100000"/>
                       </a:srgbClr>
                     </a:solidFill>
@@ -4648,296 +4864,7 @@
                       <a:prstDash val="solid"/>
                     </a:lnB>
                     <a:solidFill>
-                      <a:srgbClr val="FF7D29">
-                        <a:alpha val="100000"/>
-                      </a:srgbClr>
-                    </a:solidFill>
-                  </a:tcPr>
-                </a:tc>
-              </a:tr>
-              <a:tr h="243582">
-                <a:tc>
-                  <a:txBody>
-                    <a:bodyPr/>
-                    <a:lstStyle/>
-                    <a:p>
-                      <a:pPr algn="l" marL="127000" marR="63500">
-                        <a:lnSpc>
-                          <a:spcPct val="100000"/>
-                        </a:lnSpc>
-                        <a:spcBef>
-                          <a:spcPts val="300"/>
-                        </a:spcBef>
-                        <a:spcAft>
-                          <a:spcPts val="300"/>
-                        </a:spcAft>
-                        <a:buNone/>
-                      </a:pPr>
-                      <a:r>
-                        <a:rPr cap="none" sz="1200" i="0" b="0" u="none">
-                          <a:solidFill>
-                            <a:srgbClr val="000000">
-                              <a:alpha val="100000"/>
-                            </a:srgbClr>
-                          </a:solidFill>
-                          <a:latin typeface="arial"/>
-                          <a:cs typeface="arial"/>
-                          <a:ea typeface="arial"/>
-                          <a:sym typeface="arial"/>
-                        </a:rPr>
-                        <a:t>dcd B.2.1.2.1</a:t>
-                      </a:r>
-                    </a:p>
-                  </a:txBody>
-                  <a:tcPr anchor="ctr" marB="38100" marT="38100" marR="0" marL="0">
-                    <a:lnL algn="ctr" cmpd="sng" cap="flat" w="0">
-                      <a:noFill/>
-                      <a:prstDash val="solid"/>
-                    </a:lnL>
-                    <a:lnR algn="ctr" cmpd="sng" cap="flat" w="0">
-                      <a:noFill/>
-                      <a:prstDash val="solid"/>
-                    </a:lnR>
-                    <a:lnT algn="ctr" cmpd="sng" cap="flat" w="0">
-                      <a:noFill/>
-                      <a:prstDash val="solid"/>
-                    </a:lnT>
-                    <a:lnB algn="ctr" cmpd="sng" cap="flat" w="0">
-                      <a:noFill/>
-                      <a:prstDash val="solid"/>
-                    </a:lnB>
-                    <a:solidFill>
                       <a:srgbClr val="FFBD69">
-                        <a:alpha val="100000"/>
-                      </a:srgbClr>
-                    </a:solidFill>
-                  </a:tcPr>
-                </a:tc>
-                <a:tc>
-                  <a:txBody>
-                    <a:bodyPr/>
-                    <a:lstStyle/>
-                    <a:p>
-                      <a:pPr algn="ctr" marL="63500" marR="63500">
-                        <a:lnSpc>
-                          <a:spcPct val="100000"/>
-                        </a:lnSpc>
-                        <a:spcBef>
-                          <a:spcPts val="300"/>
-                        </a:spcBef>
-                        <a:spcAft>
-                          <a:spcPts val="300"/>
-                        </a:spcAft>
-                        <a:buNone/>
-                      </a:pPr>
-                      <a:r>
-                        <a:rPr cap="none" sz="1200" i="0" b="0" u="none">
-                          <a:solidFill>
-                            <a:srgbClr val="000000">
-                              <a:alpha val="100000"/>
-                            </a:srgbClr>
-                          </a:solidFill>
-                          <a:latin typeface="arial"/>
-                          <a:cs typeface="arial"/>
-                          <a:ea typeface="arial"/>
-                          <a:sym typeface="arial"/>
-                        </a:rPr>
-                        <a:t>39 (29.1%)</a:t>
-                      </a:r>
-                    </a:p>
-                  </a:txBody>
-                  <a:tcPr anchor="ctr" marB="38100" marT="38100" marR="0" marL="0">
-                    <a:lnL algn="ctr" cmpd="sng" cap="flat" w="0">
-                      <a:noFill/>
-                      <a:prstDash val="solid"/>
-                    </a:lnL>
-                    <a:lnR algn="ctr" cmpd="sng" cap="flat" w="0">
-                      <a:noFill/>
-                      <a:prstDash val="solid"/>
-                    </a:lnR>
-                    <a:lnT algn="ctr" cmpd="sng" cap="flat" w="0">
-                      <a:noFill/>
-                      <a:prstDash val="solid"/>
-                    </a:lnT>
-                    <a:lnB algn="ctr" cmpd="sng" cap="flat" w="0">
-                      <a:noFill/>
-                      <a:prstDash val="solid"/>
-                    </a:lnB>
-                    <a:solidFill>
-                      <a:srgbClr val="FFBD69">
-                        <a:alpha val="100000"/>
-                      </a:srgbClr>
-                    </a:solidFill>
-                  </a:tcPr>
-                </a:tc>
-                <a:tc>
-                  <a:txBody>
-                    <a:bodyPr/>
-                    <a:lstStyle/>
-                    <a:p>
-                      <a:pPr algn="ctr" marL="63500" marR="63500">
-                        <a:lnSpc>
-                          <a:spcPct val="100000"/>
-                        </a:lnSpc>
-                        <a:spcBef>
-                          <a:spcPts val="300"/>
-                        </a:spcBef>
-                        <a:spcAft>
-                          <a:spcPts val="300"/>
-                        </a:spcAft>
-                        <a:buNone/>
-                      </a:pPr>
-                      <a:r>
-                        <a:rPr cap="none" sz="1200" i="0" b="0" u="none">
-                          <a:solidFill>
-                            <a:srgbClr val="000000">
-                              <a:alpha val="100000"/>
-                            </a:srgbClr>
-                          </a:solidFill>
-                          <a:latin typeface="arial"/>
-                          <a:cs typeface="arial"/>
-                          <a:ea typeface="arial"/>
-                          <a:sym typeface="arial"/>
-                        </a:rPr>
-                        <a:t>34 (25.4%)</a:t>
-                      </a:r>
-                    </a:p>
-                  </a:txBody>
-                  <a:tcPr anchor="ctr" marB="38100" marT="38100" marR="0" marL="0">
-                    <a:lnL algn="ctr" cmpd="sng" cap="flat" w="0">
-                      <a:noFill/>
-                      <a:prstDash val="solid"/>
-                    </a:lnL>
-                    <a:lnR algn="ctr" cmpd="sng" cap="flat" w="0">
-                      <a:noFill/>
-                      <a:prstDash val="solid"/>
-                    </a:lnR>
-                    <a:lnT algn="ctr" cmpd="sng" cap="flat" w="0">
-                      <a:noFill/>
-                      <a:prstDash val="solid"/>
-                    </a:lnT>
-                    <a:lnB algn="ctr" cmpd="sng" cap="flat" w="0">
-                      <a:noFill/>
-                      <a:prstDash val="solid"/>
-                    </a:lnB>
-                    <a:solidFill>
-                      <a:srgbClr val="FFBD69">
-                        <a:alpha val="100000"/>
-                      </a:srgbClr>
-                    </a:solidFill>
-                  </a:tcPr>
-                </a:tc>
-                <a:tc>
-                  <a:txBody>
-                    <a:bodyPr/>
-                    <a:lstStyle/>
-                    <a:p>
-                      <a:pPr algn="ctr" marL="63500" marR="63500">
-                        <a:lnSpc>
-                          <a:spcPct val="100000"/>
-                        </a:lnSpc>
-                        <a:spcBef>
-                          <a:spcPts val="300"/>
-                        </a:spcBef>
-                        <a:spcAft>
-                          <a:spcPts val="300"/>
-                        </a:spcAft>
-                        <a:buNone/>
-                      </a:pPr>
-                      <a:r>
-                        <a:rPr cap="none" sz="1200" i="0" b="0" u="none">
-                          <a:solidFill>
-                            <a:srgbClr val="000000">
-                              <a:alpha val="100000"/>
-                            </a:srgbClr>
-                          </a:solidFill>
-                          <a:latin typeface="arial"/>
-                          <a:cs typeface="arial"/>
-                          <a:ea typeface="arial"/>
-                          <a:sym typeface="arial"/>
-                        </a:rPr>
-                        <a:t>73 (27.2%)</a:t>
-                      </a:r>
-                    </a:p>
-                  </a:txBody>
-                  <a:tcPr anchor="ctr" marB="38100" marT="38100" marR="0" marL="0">
-                    <a:lnL algn="ctr" cmpd="sng" cap="flat" w="0">
-                      <a:noFill/>
-                      <a:prstDash val="solid"/>
-                    </a:lnL>
-                    <a:lnR algn="ctr" cmpd="sng" cap="flat" w="0">
-                      <a:noFill/>
-                      <a:prstDash val="solid"/>
-                    </a:lnR>
-                    <a:lnT algn="ctr" cmpd="sng" cap="flat" w="0">
-                      <a:noFill/>
-                      <a:prstDash val="solid"/>
-                    </a:lnT>
-                    <a:lnB algn="ctr" cmpd="sng" cap="flat" w="0">
-                      <a:noFill/>
-                      <a:prstDash val="solid"/>
-                    </a:lnB>
-                    <a:solidFill>
-                      <a:srgbClr val="FFBD69">
-                        <a:alpha val="100000"/>
-                      </a:srgbClr>
-                    </a:solidFill>
-                  </a:tcPr>
-                </a:tc>
-              </a:tr>
-              <a:tr h="213519">
-                <a:tc>
-                  <a:txBody>
-                    <a:bodyPr/>
-                    <a:lstStyle/>
-                    <a:p>
-                      <a:pPr algn="l" marL="127000" marR="63500">
-                        <a:lnSpc>
-                          <a:spcPct val="100000"/>
-                        </a:lnSpc>
-                        <a:spcBef>
-                          <a:spcPts val="300"/>
-                        </a:spcBef>
-                        <a:spcAft>
-                          <a:spcPts val="300"/>
-                        </a:spcAft>
-                        <a:buNone/>
-                      </a:pPr>
-                      <a:r>
-                        <a:rPr cap="none" sz="1200" i="0" b="0" u="none">
-                          <a:solidFill>
-                            <a:srgbClr val="000000">
-                              <a:alpha val="100000"/>
-                            </a:srgbClr>
-                          </a:solidFill>
-                          <a:latin typeface="arial"/>
-                          <a:cs typeface="arial"/>
-                          <a:ea typeface="arial"/>
-                          <a:sym typeface="arial"/>
-                        </a:rPr>
-                        <a:t>cl C.2</a:t>
-                      </a:r>
-                    </a:p>
-                  </a:txBody>
-                  <a:tcPr anchor="ctr" marB="38100" marT="38100" marR="0" marL="0">
-                    <a:lnL algn="ctr" cmpd="sng" cap="flat" w="0">
-                      <a:noFill/>
-                      <a:prstDash val="solid"/>
-                    </a:lnL>
-                    <a:lnR algn="ctr" cmpd="sng" cap="flat" w="0">
-                      <a:noFill/>
-                      <a:prstDash val="solid"/>
-                    </a:lnR>
-                    <a:lnT algn="ctr" cmpd="sng" cap="flat" w="0">
-                      <a:noFill/>
-                      <a:prstDash val="solid"/>
-                    </a:lnT>
-                    <a:lnB algn="ctr" cmpd="sng" cap="flat" w="0">
-                      <a:noFill/>
-                      <a:prstDash val="solid"/>
-                    </a:lnB>
-                    <a:solidFill>
-                      <a:srgbClr val="FF7D29">
                         <a:alpha val="100000"/>
                       </a:srgbClr>
                     </a:solidFill>
@@ -5005,7 +4932,7 @@
                       <a:prstDash val="solid"/>
                     </a:lnB>
                     <a:solidFill>
-                      <a:srgbClr val="FF7D29">
+                      <a:srgbClr val="FFBD69">
                         <a:alpha val="100000"/>
                       </a:srgbClr>
                     </a:solidFill>
@@ -5073,7 +5000,353 @@
                       <a:prstDash val="solid"/>
                     </a:lnB>
                     <a:solidFill>
+                      <a:srgbClr val="FFBD69">
+                        <a:alpha val="100000"/>
+                      </a:srgbClr>
+                    </a:solidFill>
+                  </a:tcPr>
+                </a:tc>
+              </a:tr>
+              <a:tr h="243582">
+                <a:tc>
+                  <a:txBody>
+                    <a:bodyPr/>
+                    <a:lstStyle/>
+                    <a:p>
+                      <a:pPr algn="l" marL="127000" marR="63500">
+                        <a:lnSpc>
+                          <a:spcPct val="100000"/>
+                        </a:lnSpc>
+                        <a:spcBef>
+                          <a:spcPts val="300"/>
+                        </a:spcBef>
+                        <a:spcAft>
+                          <a:spcPts val="300"/>
+                        </a:spcAft>
+                        <a:buNone/>
+                      </a:pPr>
+                      <a:r>
+                        <a:rPr cap="none" sz="1200" i="0" b="0" u="none">
+                          <a:solidFill>
+                            <a:srgbClr val="000000">
+                              <a:alpha val="100000"/>
+                            </a:srgbClr>
+                          </a:solidFill>
+                          <a:latin typeface="arial"/>
+                          <a:cs typeface="arial"/>
+                          <a:ea typeface="arial"/>
+                          <a:sym typeface="arial"/>
+                        </a:rPr>
+                        <a:t>dcd B.2.1.2.1</a:t>
+                      </a:r>
+                    </a:p>
+                  </a:txBody>
+                  <a:tcPr anchor="ctr" marB="38100" marT="38100" marR="0" marL="0">
+                    <a:lnL algn="ctr" cmpd="sng" cap="flat" w="0">
+                      <a:noFill/>
+                      <a:prstDash val="solid"/>
+                    </a:lnL>
+                    <a:lnR algn="ctr" cmpd="sng" cap="flat" w="0">
+                      <a:noFill/>
+                      <a:prstDash val="solid"/>
+                    </a:lnR>
+                    <a:lnT algn="ctr" cmpd="sng" cap="flat" w="0">
+                      <a:noFill/>
+                      <a:prstDash val="solid"/>
+                    </a:lnT>
+                    <a:lnB algn="ctr" cmpd="sng" cap="flat" w="0">
+                      <a:noFill/>
+                      <a:prstDash val="solid"/>
+                    </a:lnB>
+                    <a:solidFill>
                       <a:srgbClr val="FF7D29">
+                        <a:alpha val="100000"/>
+                      </a:srgbClr>
+                    </a:solidFill>
+                  </a:tcPr>
+                </a:tc>
+                <a:tc>
+                  <a:txBody>
+                    <a:bodyPr/>
+                    <a:lstStyle/>
+                    <a:p>
+                      <a:pPr algn="ctr" marL="63500" marR="63500">
+                        <a:lnSpc>
+                          <a:spcPct val="100000"/>
+                        </a:lnSpc>
+                        <a:spcBef>
+                          <a:spcPts val="300"/>
+                        </a:spcBef>
+                        <a:spcAft>
+                          <a:spcPts val="300"/>
+                        </a:spcAft>
+                        <a:buNone/>
+                      </a:pPr>
+                      <a:r>
+                        <a:rPr cap="none" sz="1200" i="0" b="0" u="none">
+                          <a:solidFill>
+                            <a:srgbClr val="000000">
+                              <a:alpha val="100000"/>
+                            </a:srgbClr>
+                          </a:solidFill>
+                          <a:latin typeface="arial"/>
+                          <a:cs typeface="arial"/>
+                          <a:ea typeface="arial"/>
+                          <a:sym typeface="arial"/>
+                        </a:rPr>
+                        <a:t>39 (29.1%)</a:t>
+                      </a:r>
+                    </a:p>
+                  </a:txBody>
+                  <a:tcPr anchor="ctr" marB="38100" marT="38100" marR="0" marL="0">
+                    <a:lnL algn="ctr" cmpd="sng" cap="flat" w="0">
+                      <a:noFill/>
+                      <a:prstDash val="solid"/>
+                    </a:lnL>
+                    <a:lnR algn="ctr" cmpd="sng" cap="flat" w="0">
+                      <a:noFill/>
+                      <a:prstDash val="solid"/>
+                    </a:lnR>
+                    <a:lnT algn="ctr" cmpd="sng" cap="flat" w="0">
+                      <a:noFill/>
+                      <a:prstDash val="solid"/>
+                    </a:lnT>
+                    <a:lnB algn="ctr" cmpd="sng" cap="flat" w="0">
+                      <a:noFill/>
+                      <a:prstDash val="solid"/>
+                    </a:lnB>
+                    <a:solidFill>
+                      <a:srgbClr val="FF7D29">
+                        <a:alpha val="100000"/>
+                      </a:srgbClr>
+                    </a:solidFill>
+                  </a:tcPr>
+                </a:tc>
+                <a:tc>
+                  <a:txBody>
+                    <a:bodyPr/>
+                    <a:lstStyle/>
+                    <a:p>
+                      <a:pPr algn="ctr" marL="63500" marR="63500">
+                        <a:lnSpc>
+                          <a:spcPct val="100000"/>
+                        </a:lnSpc>
+                        <a:spcBef>
+                          <a:spcPts val="300"/>
+                        </a:spcBef>
+                        <a:spcAft>
+                          <a:spcPts val="300"/>
+                        </a:spcAft>
+                        <a:buNone/>
+                      </a:pPr>
+                      <a:r>
+                        <a:rPr cap="none" sz="1200" i="0" b="0" u="none">
+                          <a:solidFill>
+                            <a:srgbClr val="000000">
+                              <a:alpha val="100000"/>
+                            </a:srgbClr>
+                          </a:solidFill>
+                          <a:latin typeface="arial"/>
+                          <a:cs typeface="arial"/>
+                          <a:ea typeface="arial"/>
+                          <a:sym typeface="arial"/>
+                        </a:rPr>
+                        <a:t>34 (25.4%)</a:t>
+                      </a:r>
+                    </a:p>
+                  </a:txBody>
+                  <a:tcPr anchor="ctr" marB="38100" marT="38100" marR="0" marL="0">
+                    <a:lnL algn="ctr" cmpd="sng" cap="flat" w="0">
+                      <a:noFill/>
+                      <a:prstDash val="solid"/>
+                    </a:lnL>
+                    <a:lnR algn="ctr" cmpd="sng" cap="flat" w="0">
+                      <a:noFill/>
+                      <a:prstDash val="solid"/>
+                    </a:lnR>
+                    <a:lnT algn="ctr" cmpd="sng" cap="flat" w="0">
+                      <a:noFill/>
+                      <a:prstDash val="solid"/>
+                    </a:lnT>
+                    <a:lnB algn="ctr" cmpd="sng" cap="flat" w="0">
+                      <a:noFill/>
+                      <a:prstDash val="solid"/>
+                    </a:lnB>
+                    <a:solidFill>
+                      <a:srgbClr val="FF7D29">
+                        <a:alpha val="100000"/>
+                      </a:srgbClr>
+                    </a:solidFill>
+                  </a:tcPr>
+                </a:tc>
+                <a:tc>
+                  <a:txBody>
+                    <a:bodyPr/>
+                    <a:lstStyle/>
+                    <a:p>
+                      <a:pPr algn="ctr" marL="63500" marR="63500">
+                        <a:lnSpc>
+                          <a:spcPct val="100000"/>
+                        </a:lnSpc>
+                        <a:spcBef>
+                          <a:spcPts val="300"/>
+                        </a:spcBef>
+                        <a:spcAft>
+                          <a:spcPts val="300"/>
+                        </a:spcAft>
+                        <a:buNone/>
+                      </a:pPr>
+                      <a:r>
+                        <a:rPr cap="none" sz="1200" i="0" b="0" u="none">
+                          <a:solidFill>
+                            <a:srgbClr val="000000">
+                              <a:alpha val="100000"/>
+                            </a:srgbClr>
+                          </a:solidFill>
+                          <a:latin typeface="arial"/>
+                          <a:cs typeface="arial"/>
+                          <a:ea typeface="arial"/>
+                          <a:sym typeface="arial"/>
+                        </a:rPr>
+                        <a:t>73 (27.2%)</a:t>
+                      </a:r>
+                    </a:p>
+                  </a:txBody>
+                  <a:tcPr anchor="ctr" marB="38100" marT="38100" marR="0" marL="0">
+                    <a:lnL algn="ctr" cmpd="sng" cap="flat" w="0">
+                      <a:noFill/>
+                      <a:prstDash val="solid"/>
+                    </a:lnL>
+                    <a:lnR algn="ctr" cmpd="sng" cap="flat" w="0">
+                      <a:noFill/>
+                      <a:prstDash val="solid"/>
+                    </a:lnR>
+                    <a:lnT algn="ctr" cmpd="sng" cap="flat" w="0">
+                      <a:noFill/>
+                      <a:prstDash val="solid"/>
+                    </a:lnT>
+                    <a:lnB algn="ctr" cmpd="sng" cap="flat" w="0">
+                      <a:noFill/>
+                      <a:prstDash val="solid"/>
+                    </a:lnB>
+                    <a:solidFill>
+                      <a:srgbClr val="FF7D29">
+                        <a:alpha val="100000"/>
+                      </a:srgbClr>
+                    </a:solidFill>
+                  </a:tcPr>
+                </a:tc>
+                <a:tc>
+                  <a:txBody>
+                    <a:bodyPr/>
+                    <a:lstStyle/>
+                    <a:p>
+                      <a:pPr algn="ctr" marL="63500" marR="63500">
+                        <a:lnSpc>
+                          <a:spcPct val="100000"/>
+                        </a:lnSpc>
+                        <a:spcBef>
+                          <a:spcPts val="300"/>
+                        </a:spcBef>
+                        <a:spcAft>
+                          <a:spcPts val="300"/>
+                        </a:spcAft>
+                        <a:buNone/>
+                      </a:pPr>
+                      <a:r>
+                        <a:rPr cap="none" sz="1200" i="0" b="0" u="none">
+                          <a:solidFill>
+                            <a:srgbClr val="000000">
+                              <a:alpha val="100000"/>
+                            </a:srgbClr>
+                          </a:solidFill>
+                          <a:latin typeface="arial"/>
+                          <a:cs typeface="arial"/>
+                          <a:ea typeface="arial"/>
+                          <a:sym typeface="arial"/>
+                        </a:rPr>
+                        <a:t>119 (29.8%)</a:t>
+                      </a:r>
+                    </a:p>
+                  </a:txBody>
+                  <a:tcPr anchor="ctr" marB="38100" marT="38100" marR="0" marL="0">
+                    <a:lnL algn="ctr" cmpd="sng" cap="flat" w="0">
+                      <a:noFill/>
+                      <a:prstDash val="solid"/>
+                    </a:lnL>
+                    <a:lnR algn="ctr" cmpd="sng" cap="flat" w="0">
+                      <a:noFill/>
+                      <a:prstDash val="solid"/>
+                    </a:lnR>
+                    <a:lnT algn="ctr" cmpd="sng" cap="flat" w="0">
+                      <a:noFill/>
+                      <a:prstDash val="solid"/>
+                    </a:lnT>
+                    <a:lnB algn="ctr" cmpd="sng" cap="flat" w="0">
+                      <a:noFill/>
+                      <a:prstDash val="solid"/>
+                    </a:lnB>
+                    <a:solidFill>
+                      <a:srgbClr val="FF7D29">
+                        <a:alpha val="100000"/>
+                      </a:srgbClr>
+                    </a:solidFill>
+                  </a:tcPr>
+                </a:tc>
+              </a:tr>
+              <a:tr h="213519">
+                <a:tc>
+                  <a:txBody>
+                    <a:bodyPr/>
+                    <a:lstStyle/>
+                    <a:p>
+                      <a:pPr algn="l" marL="127000" marR="63500">
+                        <a:lnSpc>
+                          <a:spcPct val="100000"/>
+                        </a:lnSpc>
+                        <a:spcBef>
+                          <a:spcPts val="300"/>
+                        </a:spcBef>
+                        <a:spcAft>
+                          <a:spcPts val="300"/>
+                        </a:spcAft>
+                        <a:buNone/>
+                      </a:pPr>
+                      <a:r>
+                        <a:rPr cap="none" sz="1200" i="0" b="0" u="none">
+                          <a:solidFill>
+                            <a:srgbClr val="000000">
+                              <a:alpha val="100000"/>
+                            </a:srgbClr>
+                          </a:solidFill>
+                          <a:latin typeface="arial"/>
+                          <a:cs typeface="arial"/>
+                          <a:ea typeface="arial"/>
+                          <a:sym typeface="arial"/>
+                        </a:rPr>
+                        <a:t>cl C.2</a:t>
+                      </a:r>
+                    </a:p>
+                  </a:txBody>
+                  <a:tcPr anchor="ctr" marB="38100" marT="38100" marR="0" marL="0">
+                    <a:lnL algn="ctr" cmpd="sng" cap="flat" w="0">
+                      <a:noFill/>
+                      <a:prstDash val="solid"/>
+                    </a:lnL>
+                    <a:lnR algn="ctr" cmpd="sng" cap="flat" w="0">
+                      <a:noFill/>
+                      <a:prstDash val="solid"/>
+                    </a:lnR>
+                    <a:lnT algn="ctr" cmpd="sng" cap="flat" w="0">
+                      <a:noFill/>
+                      <a:prstDash val="solid"/>
+                    </a:lnT>
+                    <a:lnB algn="ctr" cmpd="sng" cap="flat" w="0">
+                      <a:noFill/>
+                      <a:prstDash val="solid"/>
+                    </a:lnB>
+                    <a:solidFill>
+                      <a:srgbClr val="FFBD69">
                         <a:alpha val="100000"/>
                       </a:srgbClr>
                     </a:solidFill>
@@ -5141,296 +5414,7 @@
                       <a:prstDash val="solid"/>
                     </a:lnB>
                     <a:solidFill>
-                      <a:srgbClr val="FF7D29">
-                        <a:alpha val="100000"/>
-                      </a:srgbClr>
-                    </a:solidFill>
-                  </a:tcPr>
-                </a:tc>
-              </a:tr>
-              <a:tr h="243582">
-                <a:tc>
-                  <a:txBody>
-                    <a:bodyPr/>
-                    <a:lstStyle/>
-                    <a:p>
-                      <a:pPr algn="l" marL="127000" marR="63500">
-                        <a:lnSpc>
-                          <a:spcPct val="100000"/>
-                        </a:lnSpc>
-                        <a:spcBef>
-                          <a:spcPts val="300"/>
-                        </a:spcBef>
-                        <a:spcAft>
-                          <a:spcPts val="300"/>
-                        </a:spcAft>
-                        <a:buNone/>
-                      </a:pPr>
-                      <a:r>
-                        <a:rPr cap="none" sz="1200" i="0" b="0" u="none">
-                          <a:solidFill>
-                            <a:srgbClr val="000000">
-                              <a:alpha val="100000"/>
-                            </a:srgbClr>
-                          </a:solidFill>
-                          <a:latin typeface="arial"/>
-                          <a:cs typeface="arial"/>
-                          <a:ea typeface="arial"/>
-                          <a:sym typeface="arial"/>
-                        </a:rPr>
-                        <a:t>dcd C.2.1.2.1</a:t>
-                      </a:r>
-                    </a:p>
-                  </a:txBody>
-                  <a:tcPr anchor="ctr" marB="38100" marT="38100" marR="0" marL="0">
-                    <a:lnL algn="ctr" cmpd="sng" cap="flat" w="0">
-                      <a:noFill/>
-                      <a:prstDash val="solid"/>
-                    </a:lnL>
-                    <a:lnR algn="ctr" cmpd="sng" cap="flat" w="0">
-                      <a:noFill/>
-                      <a:prstDash val="solid"/>
-                    </a:lnR>
-                    <a:lnT algn="ctr" cmpd="sng" cap="flat" w="0">
-                      <a:noFill/>
-                      <a:prstDash val="solid"/>
-                    </a:lnT>
-                    <a:lnB algn="ctr" cmpd="sng" cap="flat" w="0">
-                      <a:noFill/>
-                      <a:prstDash val="solid"/>
-                    </a:lnB>
-                    <a:solidFill>
                       <a:srgbClr val="FFBD69">
-                        <a:alpha val="100000"/>
-                      </a:srgbClr>
-                    </a:solidFill>
-                  </a:tcPr>
-                </a:tc>
-                <a:tc>
-                  <a:txBody>
-                    <a:bodyPr/>
-                    <a:lstStyle/>
-                    <a:p>
-                      <a:pPr algn="ctr" marL="63500" marR="63500">
-                        <a:lnSpc>
-                          <a:spcPct val="100000"/>
-                        </a:lnSpc>
-                        <a:spcBef>
-                          <a:spcPts val="300"/>
-                        </a:spcBef>
-                        <a:spcAft>
-                          <a:spcPts val="300"/>
-                        </a:spcAft>
-                        <a:buNone/>
-                      </a:pPr>
-                      <a:r>
-                        <a:rPr cap="none" sz="1200" i="0" b="0" u="none">
-                          <a:solidFill>
-                            <a:srgbClr val="000000">
-                              <a:alpha val="100000"/>
-                            </a:srgbClr>
-                          </a:solidFill>
-                          <a:latin typeface="arial"/>
-                          <a:cs typeface="arial"/>
-                          <a:ea typeface="arial"/>
-                          <a:sym typeface="arial"/>
-                        </a:rPr>
-                        <a:t>28 (20.9%)</a:t>
-                      </a:r>
-                    </a:p>
-                  </a:txBody>
-                  <a:tcPr anchor="ctr" marB="38100" marT="38100" marR="0" marL="0">
-                    <a:lnL algn="ctr" cmpd="sng" cap="flat" w="0">
-                      <a:noFill/>
-                      <a:prstDash val="solid"/>
-                    </a:lnL>
-                    <a:lnR algn="ctr" cmpd="sng" cap="flat" w="0">
-                      <a:noFill/>
-                      <a:prstDash val="solid"/>
-                    </a:lnR>
-                    <a:lnT algn="ctr" cmpd="sng" cap="flat" w="0">
-                      <a:noFill/>
-                      <a:prstDash val="solid"/>
-                    </a:lnT>
-                    <a:lnB algn="ctr" cmpd="sng" cap="flat" w="0">
-                      <a:noFill/>
-                      <a:prstDash val="solid"/>
-                    </a:lnB>
-                    <a:solidFill>
-                      <a:srgbClr val="FFBD69">
-                        <a:alpha val="100000"/>
-                      </a:srgbClr>
-                    </a:solidFill>
-                  </a:tcPr>
-                </a:tc>
-                <a:tc>
-                  <a:txBody>
-                    <a:bodyPr/>
-                    <a:lstStyle/>
-                    <a:p>
-                      <a:pPr algn="ctr" marL="63500" marR="63500">
-                        <a:lnSpc>
-                          <a:spcPct val="100000"/>
-                        </a:lnSpc>
-                        <a:spcBef>
-                          <a:spcPts val="300"/>
-                        </a:spcBef>
-                        <a:spcAft>
-                          <a:spcPts val="300"/>
-                        </a:spcAft>
-                        <a:buNone/>
-                      </a:pPr>
-                      <a:r>
-                        <a:rPr cap="none" sz="1200" i="0" b="0" u="none">
-                          <a:solidFill>
-                            <a:srgbClr val="000000">
-                              <a:alpha val="100000"/>
-                            </a:srgbClr>
-                          </a:solidFill>
-                          <a:latin typeface="arial"/>
-                          <a:cs typeface="arial"/>
-                          <a:ea typeface="arial"/>
-                          <a:sym typeface="arial"/>
-                        </a:rPr>
-                        <a:t>36 (26.9%)</a:t>
-                      </a:r>
-                    </a:p>
-                  </a:txBody>
-                  <a:tcPr anchor="ctr" marB="38100" marT="38100" marR="0" marL="0">
-                    <a:lnL algn="ctr" cmpd="sng" cap="flat" w="0">
-                      <a:noFill/>
-                      <a:prstDash val="solid"/>
-                    </a:lnL>
-                    <a:lnR algn="ctr" cmpd="sng" cap="flat" w="0">
-                      <a:noFill/>
-                      <a:prstDash val="solid"/>
-                    </a:lnR>
-                    <a:lnT algn="ctr" cmpd="sng" cap="flat" w="0">
-                      <a:noFill/>
-                      <a:prstDash val="solid"/>
-                    </a:lnT>
-                    <a:lnB algn="ctr" cmpd="sng" cap="flat" w="0">
-                      <a:noFill/>
-                      <a:prstDash val="solid"/>
-                    </a:lnB>
-                    <a:solidFill>
-                      <a:srgbClr val="FFBD69">
-                        <a:alpha val="100000"/>
-                      </a:srgbClr>
-                    </a:solidFill>
-                  </a:tcPr>
-                </a:tc>
-                <a:tc>
-                  <a:txBody>
-                    <a:bodyPr/>
-                    <a:lstStyle/>
-                    <a:p>
-                      <a:pPr algn="ctr" marL="63500" marR="63500">
-                        <a:lnSpc>
-                          <a:spcPct val="100000"/>
-                        </a:lnSpc>
-                        <a:spcBef>
-                          <a:spcPts val="300"/>
-                        </a:spcBef>
-                        <a:spcAft>
-                          <a:spcPts val="300"/>
-                        </a:spcAft>
-                        <a:buNone/>
-                      </a:pPr>
-                      <a:r>
-                        <a:rPr cap="none" sz="1200" i="0" b="0" u="none">
-                          <a:solidFill>
-                            <a:srgbClr val="000000">
-                              <a:alpha val="100000"/>
-                            </a:srgbClr>
-                          </a:solidFill>
-                          <a:latin typeface="arial"/>
-                          <a:cs typeface="arial"/>
-                          <a:ea typeface="arial"/>
-                          <a:sym typeface="arial"/>
-                        </a:rPr>
-                        <a:t>64 (23.9%)</a:t>
-                      </a:r>
-                    </a:p>
-                  </a:txBody>
-                  <a:tcPr anchor="ctr" marB="38100" marT="38100" marR="0" marL="0">
-                    <a:lnL algn="ctr" cmpd="sng" cap="flat" w="0">
-                      <a:noFill/>
-                      <a:prstDash val="solid"/>
-                    </a:lnL>
-                    <a:lnR algn="ctr" cmpd="sng" cap="flat" w="0">
-                      <a:noFill/>
-                      <a:prstDash val="solid"/>
-                    </a:lnR>
-                    <a:lnT algn="ctr" cmpd="sng" cap="flat" w="0">
-                      <a:noFill/>
-                      <a:prstDash val="solid"/>
-                    </a:lnT>
-                    <a:lnB algn="ctr" cmpd="sng" cap="flat" w="0">
-                      <a:noFill/>
-                      <a:prstDash val="solid"/>
-                    </a:lnB>
-                    <a:solidFill>
-                      <a:srgbClr val="FFBD69">
-                        <a:alpha val="100000"/>
-                      </a:srgbClr>
-                    </a:solidFill>
-                  </a:tcPr>
-                </a:tc>
-              </a:tr>
-              <a:tr h="213519">
-                <a:tc>
-                  <a:txBody>
-                    <a:bodyPr/>
-                    <a:lstStyle/>
-                    <a:p>
-                      <a:pPr algn="l" marL="127000" marR="63500">
-                        <a:lnSpc>
-                          <a:spcPct val="100000"/>
-                        </a:lnSpc>
-                        <a:spcBef>
-                          <a:spcPts val="300"/>
-                        </a:spcBef>
-                        <a:spcAft>
-                          <a:spcPts val="300"/>
-                        </a:spcAft>
-                        <a:buNone/>
-                      </a:pPr>
-                      <a:r>
-                        <a:rPr cap="none" sz="1200" i="0" b="0" u="none">
-                          <a:solidFill>
-                            <a:srgbClr val="000000">
-                              <a:alpha val="100000"/>
-                            </a:srgbClr>
-                          </a:solidFill>
-                          <a:latin typeface="arial"/>
-                          <a:cs typeface="arial"/>
-                          <a:ea typeface="arial"/>
-                          <a:sym typeface="arial"/>
-                        </a:rPr>
-                        <a:t>cl D.1</a:t>
-                      </a:r>
-                    </a:p>
-                  </a:txBody>
-                  <a:tcPr anchor="ctr" marB="38100" marT="38100" marR="0" marL="0">
-                    <a:lnL algn="ctr" cmpd="sng" cap="flat" w="0">
-                      <a:noFill/>
-                      <a:prstDash val="solid"/>
-                    </a:lnL>
-                    <a:lnR algn="ctr" cmpd="sng" cap="flat" w="0">
-                      <a:noFill/>
-                      <a:prstDash val="solid"/>
-                    </a:lnR>
-                    <a:lnT algn="ctr" cmpd="sng" cap="flat" w="0">
-                      <a:noFill/>
-                      <a:prstDash val="solid"/>
-                    </a:lnT>
-                    <a:lnB algn="ctr" cmpd="sng" cap="flat" w="0">
-                      <a:noFill/>
-                      <a:prstDash val="solid"/>
-                    </a:lnB>
-                    <a:solidFill>
-                      <a:srgbClr val="FF7D29">
                         <a:alpha val="100000"/>
                       </a:srgbClr>
                     </a:solidFill>
@@ -5498,7 +5482,7 @@
                       <a:prstDash val="solid"/>
                     </a:lnB>
                     <a:solidFill>
-                      <a:srgbClr val="FF7D29">
+                      <a:srgbClr val="FFBD69">
                         <a:alpha val="100000"/>
                       </a:srgbClr>
                     </a:solidFill>
@@ -5566,7 +5550,7 @@
                       <a:prstDash val="solid"/>
                     </a:lnB>
                     <a:solidFill>
-                      <a:srgbClr val="FF7D29">
+                      <a:srgbClr val="FFBD69">
                         <a:alpha val="100000"/>
                       </a:srgbClr>
                     </a:solidFill>
@@ -5634,7 +5618,625 @@
                       <a:prstDash val="solid"/>
                     </a:lnB>
                     <a:solidFill>
+                      <a:srgbClr val="FFBD69">
+                        <a:alpha val="100000"/>
+                      </a:srgbClr>
+                    </a:solidFill>
+                  </a:tcPr>
+                </a:tc>
+              </a:tr>
+              <a:tr h="243582">
+                <a:tc>
+                  <a:txBody>
+                    <a:bodyPr/>
+                    <a:lstStyle/>
+                    <a:p>
+                      <a:pPr algn="l" marL="127000" marR="63500">
+                        <a:lnSpc>
+                          <a:spcPct val="100000"/>
+                        </a:lnSpc>
+                        <a:spcBef>
+                          <a:spcPts val="300"/>
+                        </a:spcBef>
+                        <a:spcAft>
+                          <a:spcPts val="300"/>
+                        </a:spcAft>
+                        <a:buNone/>
+                      </a:pPr>
+                      <a:r>
+                        <a:rPr cap="none" sz="1200" i="0" b="0" u="none">
+                          <a:solidFill>
+                            <a:srgbClr val="000000">
+                              <a:alpha val="100000"/>
+                            </a:srgbClr>
+                          </a:solidFill>
+                          <a:latin typeface="arial"/>
+                          <a:cs typeface="arial"/>
+                          <a:ea typeface="arial"/>
+                          <a:sym typeface="arial"/>
+                        </a:rPr>
+                        <a:t>dcd C.2.1.2.1</a:t>
+                      </a:r>
+                    </a:p>
+                  </a:txBody>
+                  <a:tcPr anchor="ctr" marB="38100" marT="38100" marR="0" marL="0">
+                    <a:lnL algn="ctr" cmpd="sng" cap="flat" w="0">
+                      <a:noFill/>
+                      <a:prstDash val="solid"/>
+                    </a:lnL>
+                    <a:lnR algn="ctr" cmpd="sng" cap="flat" w="0">
+                      <a:noFill/>
+                      <a:prstDash val="solid"/>
+                    </a:lnR>
+                    <a:lnT algn="ctr" cmpd="sng" cap="flat" w="0">
+                      <a:noFill/>
+                      <a:prstDash val="solid"/>
+                    </a:lnT>
+                    <a:lnB algn="ctr" cmpd="sng" cap="flat" w="0">
+                      <a:noFill/>
+                      <a:prstDash val="solid"/>
+                    </a:lnB>
+                    <a:solidFill>
                       <a:srgbClr val="FF7D29">
+                        <a:alpha val="100000"/>
+                      </a:srgbClr>
+                    </a:solidFill>
+                  </a:tcPr>
+                </a:tc>
+                <a:tc>
+                  <a:txBody>
+                    <a:bodyPr/>
+                    <a:lstStyle/>
+                    <a:p>
+                      <a:pPr algn="ctr" marL="63500" marR="63500">
+                        <a:lnSpc>
+                          <a:spcPct val="100000"/>
+                        </a:lnSpc>
+                        <a:spcBef>
+                          <a:spcPts val="300"/>
+                        </a:spcBef>
+                        <a:spcAft>
+                          <a:spcPts val="300"/>
+                        </a:spcAft>
+                        <a:buNone/>
+                      </a:pPr>
+                      <a:r>
+                        <a:rPr cap="none" sz="1200" i="0" b="0" u="none">
+                          <a:solidFill>
+                            <a:srgbClr val="000000">
+                              <a:alpha val="100000"/>
+                            </a:srgbClr>
+                          </a:solidFill>
+                          <a:latin typeface="arial"/>
+                          <a:cs typeface="arial"/>
+                          <a:ea typeface="arial"/>
+                          <a:sym typeface="arial"/>
+                        </a:rPr>
+                        <a:t>28 (20.9%)</a:t>
+                      </a:r>
+                    </a:p>
+                  </a:txBody>
+                  <a:tcPr anchor="ctr" marB="38100" marT="38100" marR="0" marL="0">
+                    <a:lnL algn="ctr" cmpd="sng" cap="flat" w="0">
+                      <a:noFill/>
+                      <a:prstDash val="solid"/>
+                    </a:lnL>
+                    <a:lnR algn="ctr" cmpd="sng" cap="flat" w="0">
+                      <a:noFill/>
+                      <a:prstDash val="solid"/>
+                    </a:lnR>
+                    <a:lnT algn="ctr" cmpd="sng" cap="flat" w="0">
+                      <a:noFill/>
+                      <a:prstDash val="solid"/>
+                    </a:lnT>
+                    <a:lnB algn="ctr" cmpd="sng" cap="flat" w="0">
+                      <a:noFill/>
+                      <a:prstDash val="solid"/>
+                    </a:lnB>
+                    <a:solidFill>
+                      <a:srgbClr val="FF7D29">
+                        <a:alpha val="100000"/>
+                      </a:srgbClr>
+                    </a:solidFill>
+                  </a:tcPr>
+                </a:tc>
+                <a:tc>
+                  <a:txBody>
+                    <a:bodyPr/>
+                    <a:lstStyle/>
+                    <a:p>
+                      <a:pPr algn="ctr" marL="63500" marR="63500">
+                        <a:lnSpc>
+                          <a:spcPct val="100000"/>
+                        </a:lnSpc>
+                        <a:spcBef>
+                          <a:spcPts val="300"/>
+                        </a:spcBef>
+                        <a:spcAft>
+                          <a:spcPts val="300"/>
+                        </a:spcAft>
+                        <a:buNone/>
+                      </a:pPr>
+                      <a:r>
+                        <a:rPr cap="none" sz="1200" i="0" b="0" u="none">
+                          <a:solidFill>
+                            <a:srgbClr val="000000">
+                              <a:alpha val="100000"/>
+                            </a:srgbClr>
+                          </a:solidFill>
+                          <a:latin typeface="arial"/>
+                          <a:cs typeface="arial"/>
+                          <a:ea typeface="arial"/>
+                          <a:sym typeface="arial"/>
+                        </a:rPr>
+                        <a:t>36 (26.9%)</a:t>
+                      </a:r>
+                    </a:p>
+                  </a:txBody>
+                  <a:tcPr anchor="ctr" marB="38100" marT="38100" marR="0" marL="0">
+                    <a:lnL algn="ctr" cmpd="sng" cap="flat" w="0">
+                      <a:noFill/>
+                      <a:prstDash val="solid"/>
+                    </a:lnL>
+                    <a:lnR algn="ctr" cmpd="sng" cap="flat" w="0">
+                      <a:noFill/>
+                      <a:prstDash val="solid"/>
+                    </a:lnR>
+                    <a:lnT algn="ctr" cmpd="sng" cap="flat" w="0">
+                      <a:noFill/>
+                      <a:prstDash val="solid"/>
+                    </a:lnT>
+                    <a:lnB algn="ctr" cmpd="sng" cap="flat" w="0">
+                      <a:noFill/>
+                      <a:prstDash val="solid"/>
+                    </a:lnB>
+                    <a:solidFill>
+                      <a:srgbClr val="FF7D29">
+                        <a:alpha val="100000"/>
+                      </a:srgbClr>
+                    </a:solidFill>
+                  </a:tcPr>
+                </a:tc>
+                <a:tc>
+                  <a:txBody>
+                    <a:bodyPr/>
+                    <a:lstStyle/>
+                    <a:p>
+                      <a:pPr algn="ctr" marL="63500" marR="63500">
+                        <a:lnSpc>
+                          <a:spcPct val="100000"/>
+                        </a:lnSpc>
+                        <a:spcBef>
+                          <a:spcPts val="300"/>
+                        </a:spcBef>
+                        <a:spcAft>
+                          <a:spcPts val="300"/>
+                        </a:spcAft>
+                        <a:buNone/>
+                      </a:pPr>
+                      <a:r>
+                        <a:rPr cap="none" sz="1200" i="0" b="0" u="none">
+                          <a:solidFill>
+                            <a:srgbClr val="000000">
+                              <a:alpha val="100000"/>
+                            </a:srgbClr>
+                          </a:solidFill>
+                          <a:latin typeface="arial"/>
+                          <a:cs typeface="arial"/>
+                          <a:ea typeface="arial"/>
+                          <a:sym typeface="arial"/>
+                        </a:rPr>
+                        <a:t>64 (23.9%)</a:t>
+                      </a:r>
+                    </a:p>
+                  </a:txBody>
+                  <a:tcPr anchor="ctr" marB="38100" marT="38100" marR="0" marL="0">
+                    <a:lnL algn="ctr" cmpd="sng" cap="flat" w="0">
+                      <a:noFill/>
+                      <a:prstDash val="solid"/>
+                    </a:lnL>
+                    <a:lnR algn="ctr" cmpd="sng" cap="flat" w="0">
+                      <a:noFill/>
+                      <a:prstDash val="solid"/>
+                    </a:lnR>
+                    <a:lnT algn="ctr" cmpd="sng" cap="flat" w="0">
+                      <a:noFill/>
+                      <a:prstDash val="solid"/>
+                    </a:lnT>
+                    <a:lnB algn="ctr" cmpd="sng" cap="flat" w="0">
+                      <a:noFill/>
+                      <a:prstDash val="solid"/>
+                    </a:lnB>
+                    <a:solidFill>
+                      <a:srgbClr val="FF7D29">
+                        <a:alpha val="100000"/>
+                      </a:srgbClr>
+                    </a:solidFill>
+                  </a:tcPr>
+                </a:tc>
+                <a:tc>
+                  <a:txBody>
+                    <a:bodyPr/>
+                    <a:lstStyle/>
+                    <a:p>
+                      <a:pPr algn="ctr" marL="63500" marR="63500">
+                        <a:lnSpc>
+                          <a:spcPct val="100000"/>
+                        </a:lnSpc>
+                        <a:spcBef>
+                          <a:spcPts val="300"/>
+                        </a:spcBef>
+                        <a:spcAft>
+                          <a:spcPts val="300"/>
+                        </a:spcAft>
+                        <a:buNone/>
+                      </a:pPr>
+                      <a:r>
+                        <a:rPr cap="none" sz="1200" i="0" b="0" u="none">
+                          <a:solidFill>
+                            <a:srgbClr val="000000">
+                              <a:alpha val="100000"/>
+                            </a:srgbClr>
+                          </a:solidFill>
+                          <a:latin typeface="arial"/>
+                          <a:cs typeface="arial"/>
+                          <a:ea typeface="arial"/>
+                          <a:sym typeface="arial"/>
+                        </a:rPr>
+                        <a:t>112 (28.0%)</a:t>
+                      </a:r>
+                    </a:p>
+                  </a:txBody>
+                  <a:tcPr anchor="ctr" marB="38100" marT="38100" marR="0" marL="0">
+                    <a:lnL algn="ctr" cmpd="sng" cap="flat" w="0">
+                      <a:noFill/>
+                      <a:prstDash val="solid"/>
+                    </a:lnL>
+                    <a:lnR algn="ctr" cmpd="sng" cap="flat" w="0">
+                      <a:noFill/>
+                      <a:prstDash val="solid"/>
+                    </a:lnR>
+                    <a:lnT algn="ctr" cmpd="sng" cap="flat" w="0">
+                      <a:noFill/>
+                      <a:prstDash val="solid"/>
+                    </a:lnT>
+                    <a:lnB algn="ctr" cmpd="sng" cap="flat" w="0">
+                      <a:noFill/>
+                      <a:prstDash val="solid"/>
+                    </a:lnB>
+                    <a:solidFill>
+                      <a:srgbClr val="FF7D29">
+                        <a:alpha val="100000"/>
+                      </a:srgbClr>
+                    </a:solidFill>
+                  </a:tcPr>
+                </a:tc>
+              </a:tr>
+              <a:tr h="213519">
+                <a:tc>
+                  <a:txBody>
+                    <a:bodyPr/>
+                    <a:lstStyle/>
+                    <a:p>
+                      <a:pPr algn="l" marL="127000" marR="63500">
+                        <a:lnSpc>
+                          <a:spcPct val="100000"/>
+                        </a:lnSpc>
+                        <a:spcBef>
+                          <a:spcPts val="300"/>
+                        </a:spcBef>
+                        <a:spcAft>
+                          <a:spcPts val="300"/>
+                        </a:spcAft>
+                        <a:buNone/>
+                      </a:pPr>
+                      <a:r>
+                        <a:rPr cap="none" sz="1200" i="0" b="0" u="none">
+                          <a:solidFill>
+                            <a:srgbClr val="000000">
+                              <a:alpha val="100000"/>
+                            </a:srgbClr>
+                          </a:solidFill>
+                          <a:latin typeface="arial"/>
+                          <a:cs typeface="arial"/>
+                          <a:ea typeface="arial"/>
+                          <a:sym typeface="arial"/>
+                        </a:rPr>
+                        <a:t>cl D.1</a:t>
+                      </a:r>
+                    </a:p>
+                  </a:txBody>
+                  <a:tcPr anchor="ctr" marB="38100" marT="38100" marR="0" marL="0">
+                    <a:lnL algn="ctr" cmpd="sng" cap="flat" w="0">
+                      <a:noFill/>
+                      <a:prstDash val="solid"/>
+                    </a:lnL>
+                    <a:lnR algn="ctr" cmpd="sng" cap="flat" w="0">
+                      <a:noFill/>
+                      <a:prstDash val="solid"/>
+                    </a:lnR>
+                    <a:lnT algn="ctr" cmpd="sng" cap="flat" w="0">
+                      <a:noFill/>
+                      <a:prstDash val="solid"/>
+                    </a:lnT>
+                    <a:lnB algn="ctr" cmpd="sng" cap="flat" w="0">
+                      <a:noFill/>
+                      <a:prstDash val="solid"/>
+                    </a:lnB>
+                    <a:solidFill>
+                      <a:srgbClr val="FFBD69">
+                        <a:alpha val="100000"/>
+                      </a:srgbClr>
+                    </a:solidFill>
+                  </a:tcPr>
+                </a:tc>
+                <a:tc>
+                  <a:txBody>
+                    <a:bodyPr/>
+                    <a:lstStyle/>
+                    <a:p>
+                      <a:pPr algn="ctr" marL="63500" marR="63500">
+                        <a:lnSpc>
+                          <a:spcPct val="100000"/>
+                        </a:lnSpc>
+                        <a:spcBef>
+                          <a:spcPts val="300"/>
+                        </a:spcBef>
+                        <a:spcAft>
+                          <a:spcPts val="300"/>
+                        </a:spcAft>
+                        <a:buNone/>
+                      </a:pPr>
+                      <a:endParaRPr cap="none" sz="1200" i="0" b="0" u="none">
+                        <a:solidFill>
+                          <a:srgbClr val="000000">
+                            <a:alpha val="100000"/>
+                          </a:srgbClr>
+                        </a:solidFill>
+                        <a:latin typeface="arial"/>
+                        <a:cs typeface="arial"/>
+                        <a:ea typeface="arial"/>
+                        <a:sym typeface="arial"/>
+                      </a:endParaRPr>
+                      <a:r>
+                        <a:rPr cap="none" sz="1200" i="0" b="0" u="none">
+                          <a:solidFill>
+                            <a:srgbClr val="000000">
+                              <a:alpha val="100000"/>
+                            </a:srgbClr>
+                          </a:solidFill>
+                          <a:latin typeface="arial"/>
+                          <a:cs typeface="arial"/>
+                          <a:ea typeface="arial"/>
+                          <a:sym typeface="arial"/>
+                        </a:rPr>
+                        <a:t/>
+                      </a:r>
+                    </a:p>
+                  </a:txBody>
+                  <a:tcPr anchor="ctr" marB="38100" marT="38100" marR="0" marL="0">
+                    <a:lnL algn="ctr" cmpd="sng" cap="flat" w="0">
+                      <a:noFill/>
+                      <a:prstDash val="solid"/>
+                    </a:lnL>
+                    <a:lnR algn="ctr" cmpd="sng" cap="flat" w="0">
+                      <a:noFill/>
+                      <a:prstDash val="solid"/>
+                    </a:lnR>
+                    <a:lnT algn="ctr" cmpd="sng" cap="flat" w="0">
+                      <a:noFill/>
+                      <a:prstDash val="solid"/>
+                    </a:lnT>
+                    <a:lnB algn="ctr" cmpd="sng" cap="flat" w="0">
+                      <a:noFill/>
+                      <a:prstDash val="solid"/>
+                    </a:lnB>
+                    <a:solidFill>
+                      <a:srgbClr val="FFBD69">
+                        <a:alpha val="100000"/>
+                      </a:srgbClr>
+                    </a:solidFill>
+                  </a:tcPr>
+                </a:tc>
+                <a:tc>
+                  <a:txBody>
+                    <a:bodyPr/>
+                    <a:lstStyle/>
+                    <a:p>
+                      <a:pPr algn="ctr" marL="63500" marR="63500">
+                        <a:lnSpc>
+                          <a:spcPct val="100000"/>
+                        </a:lnSpc>
+                        <a:spcBef>
+                          <a:spcPts val="300"/>
+                        </a:spcBef>
+                        <a:spcAft>
+                          <a:spcPts val="300"/>
+                        </a:spcAft>
+                        <a:buNone/>
+                      </a:pPr>
+                      <a:endParaRPr cap="none" sz="1200" i="0" b="0" u="none">
+                        <a:solidFill>
+                          <a:srgbClr val="000000">
+                            <a:alpha val="100000"/>
+                          </a:srgbClr>
+                        </a:solidFill>
+                        <a:latin typeface="arial"/>
+                        <a:cs typeface="arial"/>
+                        <a:ea typeface="arial"/>
+                        <a:sym typeface="arial"/>
+                      </a:endParaRPr>
+                      <a:r>
+                        <a:rPr cap="none" sz="1200" i="0" b="0" u="none">
+                          <a:solidFill>
+                            <a:srgbClr val="000000">
+                              <a:alpha val="100000"/>
+                            </a:srgbClr>
+                          </a:solidFill>
+                          <a:latin typeface="arial"/>
+                          <a:cs typeface="arial"/>
+                          <a:ea typeface="arial"/>
+                          <a:sym typeface="arial"/>
+                        </a:rPr>
+                        <a:t/>
+                      </a:r>
+                    </a:p>
+                  </a:txBody>
+                  <a:tcPr anchor="ctr" marB="38100" marT="38100" marR="0" marL="0">
+                    <a:lnL algn="ctr" cmpd="sng" cap="flat" w="0">
+                      <a:noFill/>
+                      <a:prstDash val="solid"/>
+                    </a:lnL>
+                    <a:lnR algn="ctr" cmpd="sng" cap="flat" w="0">
+                      <a:noFill/>
+                      <a:prstDash val="solid"/>
+                    </a:lnR>
+                    <a:lnT algn="ctr" cmpd="sng" cap="flat" w="0">
+                      <a:noFill/>
+                      <a:prstDash val="solid"/>
+                    </a:lnT>
+                    <a:lnB algn="ctr" cmpd="sng" cap="flat" w="0">
+                      <a:noFill/>
+                      <a:prstDash val="solid"/>
+                    </a:lnB>
+                    <a:solidFill>
+                      <a:srgbClr val="FFBD69">
+                        <a:alpha val="100000"/>
+                      </a:srgbClr>
+                    </a:solidFill>
+                  </a:tcPr>
+                </a:tc>
+                <a:tc>
+                  <a:txBody>
+                    <a:bodyPr/>
+                    <a:lstStyle/>
+                    <a:p>
+                      <a:pPr algn="ctr" marL="63500" marR="63500">
+                        <a:lnSpc>
+                          <a:spcPct val="100000"/>
+                        </a:lnSpc>
+                        <a:spcBef>
+                          <a:spcPts val="300"/>
+                        </a:spcBef>
+                        <a:spcAft>
+                          <a:spcPts val="300"/>
+                        </a:spcAft>
+                        <a:buNone/>
+                      </a:pPr>
+                      <a:endParaRPr cap="none" sz="1200" i="0" b="0" u="none">
+                        <a:solidFill>
+                          <a:srgbClr val="000000">
+                            <a:alpha val="100000"/>
+                          </a:srgbClr>
+                        </a:solidFill>
+                        <a:latin typeface="arial"/>
+                        <a:cs typeface="arial"/>
+                        <a:ea typeface="arial"/>
+                        <a:sym typeface="arial"/>
+                      </a:endParaRPr>
+                      <a:r>
+                        <a:rPr cap="none" sz="1200" i="0" b="0" u="none">
+                          <a:solidFill>
+                            <a:srgbClr val="000000">
+                              <a:alpha val="100000"/>
+                            </a:srgbClr>
+                          </a:solidFill>
+                          <a:latin typeface="arial"/>
+                          <a:cs typeface="arial"/>
+                          <a:ea typeface="arial"/>
+                          <a:sym typeface="arial"/>
+                        </a:rPr>
+                        <a:t/>
+                      </a:r>
+                    </a:p>
+                  </a:txBody>
+                  <a:tcPr anchor="ctr" marB="38100" marT="38100" marR="0" marL="0">
+                    <a:lnL algn="ctr" cmpd="sng" cap="flat" w="0">
+                      <a:noFill/>
+                      <a:prstDash val="solid"/>
+                    </a:lnL>
+                    <a:lnR algn="ctr" cmpd="sng" cap="flat" w="0">
+                      <a:noFill/>
+                      <a:prstDash val="solid"/>
+                    </a:lnR>
+                    <a:lnT algn="ctr" cmpd="sng" cap="flat" w="0">
+                      <a:noFill/>
+                      <a:prstDash val="solid"/>
+                    </a:lnT>
+                    <a:lnB algn="ctr" cmpd="sng" cap="flat" w="0">
+                      <a:noFill/>
+                      <a:prstDash val="solid"/>
+                    </a:lnB>
+                    <a:solidFill>
+                      <a:srgbClr val="FFBD69">
+                        <a:alpha val="100000"/>
+                      </a:srgbClr>
+                    </a:solidFill>
+                  </a:tcPr>
+                </a:tc>
+                <a:tc>
+                  <a:txBody>
+                    <a:bodyPr/>
+                    <a:lstStyle/>
+                    <a:p>
+                      <a:pPr algn="ctr" marL="63500" marR="63500">
+                        <a:lnSpc>
+                          <a:spcPct val="100000"/>
+                        </a:lnSpc>
+                        <a:spcBef>
+                          <a:spcPts val="300"/>
+                        </a:spcBef>
+                        <a:spcAft>
+                          <a:spcPts val="300"/>
+                        </a:spcAft>
+                        <a:buNone/>
+                      </a:pPr>
+                      <a:endParaRPr cap="none" sz="1200" i="0" b="0" u="none">
+                        <a:solidFill>
+                          <a:srgbClr val="000000">
+                            <a:alpha val="100000"/>
+                          </a:srgbClr>
+                        </a:solidFill>
+                        <a:latin typeface="arial"/>
+                        <a:cs typeface="arial"/>
+                        <a:ea typeface="arial"/>
+                        <a:sym typeface="arial"/>
+                      </a:endParaRPr>
+                      <a:r>
+                        <a:rPr cap="none" sz="1200" i="0" b="0" u="none">
+                          <a:solidFill>
+                            <a:srgbClr val="000000">
+                              <a:alpha val="100000"/>
+                            </a:srgbClr>
+                          </a:solidFill>
+                          <a:latin typeface="arial"/>
+                          <a:cs typeface="arial"/>
+                          <a:ea typeface="arial"/>
+                          <a:sym typeface="arial"/>
+                        </a:rPr>
+                        <a:t/>
+                      </a:r>
+                    </a:p>
+                  </a:txBody>
+                  <a:tcPr anchor="ctr" marB="38100" marT="38100" marR="0" marL="0">
+                    <a:lnL algn="ctr" cmpd="sng" cap="flat" w="0">
+                      <a:noFill/>
+                      <a:prstDash val="solid"/>
+                    </a:lnL>
+                    <a:lnR algn="ctr" cmpd="sng" cap="flat" w="0">
+                      <a:noFill/>
+                      <a:prstDash val="solid"/>
+                    </a:lnR>
+                    <a:lnT algn="ctr" cmpd="sng" cap="flat" w="0">
+                      <a:noFill/>
+                      <a:prstDash val="solid"/>
+                    </a:lnT>
+                    <a:lnB algn="ctr" cmpd="sng" cap="flat" w="0">
+                      <a:noFill/>
+                      <a:prstDash val="solid"/>
+                    </a:lnB>
+                    <a:solidFill>
+                      <a:srgbClr val="FFBD69">
                         <a:alpha val="100000"/>
                       </a:srgbClr>
                     </a:solidFill>
@@ -5693,7 +6295,7 @@
                       <a:prstDash val="solid"/>
                     </a:lnB>
                     <a:solidFill>
-                      <a:srgbClr val="FFBD69">
+                      <a:srgbClr val="FF7D29">
                         <a:alpha val="100000"/>
                       </a:srgbClr>
                     </a:solidFill>
@@ -5750,7 +6352,7 @@
                       <a:prstDash val="solid"/>
                     </a:lnB>
                     <a:solidFill>
-                      <a:srgbClr val="FFBD69">
+                      <a:srgbClr val="FF7D29">
                         <a:alpha val="100000"/>
                       </a:srgbClr>
                     </a:solidFill>
@@ -5807,7 +6409,7 @@
                       <a:prstDash val="solid"/>
                     </a:lnB>
                     <a:solidFill>
-                      <a:srgbClr val="FFBD69">
+                      <a:srgbClr val="FF7D29">
                         <a:alpha val="100000"/>
                       </a:srgbClr>
                     </a:solidFill>
@@ -5864,7 +6466,64 @@
                       <a:prstDash val="solid"/>
                     </a:lnB>
                     <a:solidFill>
-                      <a:srgbClr val="FFBD69">
+                      <a:srgbClr val="FF7D29">
+                        <a:alpha val="100000"/>
+                      </a:srgbClr>
+                    </a:solidFill>
+                  </a:tcPr>
+                </a:tc>
+                <a:tc>
+                  <a:txBody>
+                    <a:bodyPr/>
+                    <a:lstStyle/>
+                    <a:p>
+                      <a:pPr algn="ctr" marL="63500" marR="63500">
+                        <a:lnSpc>
+                          <a:spcPct val="100000"/>
+                        </a:lnSpc>
+                        <a:spcBef>
+                          <a:spcPts val="300"/>
+                        </a:spcBef>
+                        <a:spcAft>
+                          <a:spcPts val="300"/>
+                        </a:spcAft>
+                        <a:buNone/>
+                      </a:pPr>
+                      <a:r>
+                        <a:rPr cap="none" sz="1200" i="0" b="0" u="none">
+                          <a:solidFill>
+                            <a:srgbClr val="000000">
+                              <a:alpha val="100000"/>
+                            </a:srgbClr>
+                          </a:solidFill>
+                          <a:latin typeface="arial"/>
+                          <a:cs typeface="arial"/>
+                          <a:ea typeface="arial"/>
+                          <a:sym typeface="arial"/>
+                        </a:rPr>
+                        <a:t>120 (30.0%)</a:t>
+                      </a:r>
+                    </a:p>
+                  </a:txBody>
+                  <a:tcPr anchor="ctr" marB="38100" marT="38100" marR="0" marL="0">
+                    <a:lnL algn="ctr" cmpd="sng" cap="flat" w="0">
+                      <a:noFill/>
+                      <a:prstDash val="solid"/>
+                    </a:lnL>
+                    <a:lnR algn="ctr" cmpd="sng" cap="flat" w="0">
+                      <a:noFill/>
+                      <a:prstDash val="solid"/>
+                    </a:lnR>
+                    <a:lnT algn="ctr" cmpd="sng" cap="flat" w="0">
+                      <a:noFill/>
+                      <a:prstDash val="solid"/>
+                    </a:lnT>
+                    <a:lnB algn="ctr" cmpd="sng" cap="flat" w="0">
+                      <a:noFill/>
+                      <a:prstDash val="solid"/>
+                    </a:lnB>
+                    <a:solidFill>
+                      <a:srgbClr val="FF7D29">
                         <a:alpha val="100000"/>
                       </a:srgbClr>
                     </a:solidFill>
@@ -5877,7 +6536,7 @@
                     <a:bodyPr/>
                     <a:lstStyle/>
                     <a:p>
-                      <a:pPr algn="l" marL="127000" marR="63500">
+                      <a:pPr algn="ctr" marL="63500" marR="63500">
                         <a:lnSpc>
                           <a:spcPct val="100000"/>
                         </a:lnSpc>
@@ -5923,7 +6582,7 @@
                       <a:prstDash val="solid"/>
                     </a:lnB>
                     <a:solidFill>
-                      <a:srgbClr val="FF7D29">
+                      <a:srgbClr val="FFBD69">
                         <a:alpha val="100000"/>
                       </a:srgbClr>
                     </a:solidFill>
@@ -5980,7 +6639,7 @@
                       <a:prstDash val="solid"/>
                     </a:lnB>
                     <a:solidFill>
-                      <a:srgbClr val="FF7D29">
+                      <a:srgbClr val="FFBD69">
                         <a:alpha val="100000"/>
                       </a:srgbClr>
                     </a:solidFill>
@@ -6037,7 +6696,7 @@
                       <a:prstDash val="solid"/>
                     </a:lnB>
                     <a:solidFill>
-                      <a:srgbClr val="FF7D29">
+                      <a:srgbClr val="FFBD69">
                         <a:alpha val="100000"/>
                       </a:srgbClr>
                     </a:solidFill>
@@ -6094,7 +6753,64 @@
                       <a:prstDash val="solid"/>
                     </a:lnB>
                     <a:solidFill>
-                      <a:srgbClr val="FF7D29">
+                      <a:srgbClr val="FFBD69">
+                        <a:alpha val="100000"/>
+                      </a:srgbClr>
+                    </a:solidFill>
+                  </a:tcPr>
+                </a:tc>
+                <a:tc>
+                  <a:txBody>
+                    <a:bodyPr/>
+                    <a:lstStyle/>
+                    <a:p>
+                      <a:pPr algn="ctr" marL="63500" marR="63500">
+                        <a:lnSpc>
+                          <a:spcPct val="100000"/>
+                        </a:lnSpc>
+                        <a:spcBef>
+                          <a:spcPts val="300"/>
+                        </a:spcBef>
+                        <a:spcAft>
+                          <a:spcPts val="300"/>
+                        </a:spcAft>
+                        <a:buNone/>
+                      </a:pPr>
+                      <a:r>
+                        <a:rPr cap="none" sz="1200" i="0" b="0" u="none">
+                          <a:solidFill>
+                            <a:srgbClr val="000000">
+                              <a:alpha val="100000"/>
+                            </a:srgbClr>
+                          </a:solidFill>
+                          <a:latin typeface="arial"/>
+                          <a:cs typeface="arial"/>
+                          <a:ea typeface="arial"/>
+                          <a:sym typeface="arial"/>
+                        </a:rPr>
+                        <a:t>112 (28.0%)</a:t>
+                      </a:r>
+                    </a:p>
+                  </a:txBody>
+                  <a:tcPr anchor="ctr" marB="38100" marT="38100" marR="0" marL="0">
+                    <a:lnL algn="ctr" cmpd="sng" cap="flat" w="0">
+                      <a:noFill/>
+                      <a:prstDash val="solid"/>
+                    </a:lnL>
+                    <a:lnR algn="ctr" cmpd="sng" cap="flat" w="0">
+                      <a:noFill/>
+                      <a:prstDash val="solid"/>
+                    </a:lnR>
+                    <a:lnT algn="ctr" cmpd="sng" cap="flat" w="0">
+                      <a:noFill/>
+                      <a:prstDash val="solid"/>
+                    </a:lnT>
+                    <a:lnB algn="ctr" cmpd="sng" cap="flat" w="0">
+                      <a:noFill/>
+                      <a:prstDash val="solid"/>
+                    </a:lnB>
+                    <a:solidFill>
+                      <a:srgbClr val="FFBD69">
                         <a:alpha val="100000"/>
                       </a:srgbClr>
                     </a:solidFill>
@@ -6102,7 +6818,7 @@
                 </a:tc>
               </a:tr>
               <a:tr h="228600">
-                <a:tc gridSpan="4">
+                <a:tc gridSpan="5">
                   <a:txBody>
                     <a:bodyPr/>
                     <a:lstStyle/>
@@ -6405,6 +7121,74 @@
                     </a:solidFill>
                   </a:tcPr>
                 </a:tc>
+                <a:tc hMerge="true">
+                  <a:txBody>
+                    <a:bodyPr/>
+                    <a:lstStyle/>
+                    <a:p>
+                      <a:pPr algn="l" marL="63500" marR="63500">
+                        <a:lnSpc>
+                          <a:spcPct val="100000"/>
+                        </a:lnSpc>
+                        <a:spcBef>
+                          <a:spcPts val="500"/>
+                        </a:spcBef>
+                        <a:spcAft>
+                          <a:spcPts val="500"/>
+                        </a:spcAft>
+                        <a:buNone/>
+                      </a:pPr>
+                      <a:endParaRPr cap="none" sz="1100" i="0" b="0" u="none">
+                        <a:solidFill>
+                          <a:srgbClr val="000000">
+                            <a:alpha val="100000"/>
+                          </a:srgbClr>
+                        </a:solidFill>
+                        <a:latin typeface="DejaVu Sans"/>
+                        <a:cs typeface="DejaVu Sans"/>
+                        <a:ea typeface="DejaVu Sans"/>
+                        <a:sym typeface="DejaVu Sans"/>
+                      </a:endParaRPr>
+                      <a:r>
+                        <a:rPr cap="none" sz="1100" i="0" b="0" u="none">
+                          <a:solidFill>
+                            <a:srgbClr val="000000">
+                              <a:alpha val="100000"/>
+                            </a:srgbClr>
+                          </a:solidFill>
+                          <a:latin typeface="DejaVu Sans"/>
+                          <a:cs typeface="DejaVu Sans"/>
+                          <a:ea typeface="DejaVu Sans"/>
+                          <a:sym typeface="DejaVu Sans"/>
+                        </a:rPr>
+                        <a:t/>
+                      </a:r>
+                    </a:p>
+                  </a:txBody>
+                  <a:tcPr anchor="ctr" marB="63500" marT="63500" marR="0" marL="0">
+                    <a:lnL algn="ctr" cmpd="sng" cap="flat" w="0">
+                      <a:noFill/>
+                      <a:prstDash val="solid"/>
+                    </a:lnL>
+                    <a:lnR algn="ctr" cmpd="sng" cap="flat" w="0">
+                      <a:noFill/>
+                      <a:prstDash val="solid"/>
+                    </a:lnR>
+                    <a:lnT algn="ctr" cmpd="sng" cap="flat" w="0">
+                      <a:noFill/>
+                      <a:prstDash val="solid"/>
+                    </a:lnT>
+                    <a:lnB algn="ctr" cmpd="sng" cap="flat" w="0">
+                      <a:noFill/>
+                      <a:prstDash val="solid"/>
+                    </a:lnB>
+                    <a:solidFill>
+                      <a:srgbClr val="FFFFFF">
+                        <a:alpha val="0"/>
+                      </a:srgbClr>
+                    </a:solidFill>
+                  </a:tcPr>
+                </a:tc>
               </a:tr>
             </a:tbl>
           </a:graphicData>
@@ -6493,7 +7277,7 @@
           <p:nvPr/>
         </p:nvGraphicFramePr>
         <p:xfrm rot="0">
-          <a:off x="2862526" y="1165860"/>
+          <a:off x="2642489" y="1165860"/>
           <a:ext cx="3657600" cy="2743200"/>
         </p:xfrm>
         <a:graphic>
@@ -6501,10 +7285,11 @@
             <a:tbl>
               <a:tblPr/>
               <a:tblGrid>
-                <a:gridCol w="2977693"/>
-                <a:gridCol w="1163085"/>
-                <a:gridCol w="1163085"/>
-                <a:gridCol w="1163085"/>
+                <a:gridCol w="2780359"/>
+                <a:gridCol w="1031666"/>
+                <a:gridCol w="1031666"/>
+                <a:gridCol w="1031666"/>
+                <a:gridCol w="1031666"/>
               </a:tblGrid>
               <a:tr h="268114">
                 <a:tc>
@@ -6595,6 +7380,17 @@
                         </a:spcAft>
                         <a:buNone/>
                       </a:pPr>
+                      <a:endParaRPr cap="none" sz="1400" i="0" b="1" u="none">
+                        <a:solidFill>
+                          <a:srgbClr val="FFFFFF">
+                            <a:alpha val="100000"/>
+                          </a:srgbClr>
+                        </a:solidFill>
+                        <a:latin typeface="arial"/>
+                        <a:cs typeface="arial"/>
+                        <a:ea typeface="arial"/>
+                        <a:sym typeface="arial"/>
+                      </a:endParaRPr>
                       <a:r>
                         <a:rPr cap="none" sz="1400" i="0" b="1" u="none">
                           <a:solidFill>
@@ -6607,7 +7403,7 @@
                           <a:ea typeface="arial"/>
                           <a:sym typeface="arial"/>
                         </a:rPr>
-                        <a:t>A: Drug X</a:t>
+                        <a:t/>
                       </a:r>
                     </a:p>
                   </a:txBody>
@@ -6652,6 +7448,17 @@
                         </a:spcAft>
                         <a:buNone/>
                       </a:pPr>
+                      <a:endParaRPr cap="none" sz="1400" i="0" b="1" u="none">
+                        <a:solidFill>
+                          <a:srgbClr val="FFFFFF">
+                            <a:alpha val="100000"/>
+                          </a:srgbClr>
+                        </a:solidFill>
+                        <a:latin typeface="arial"/>
+                        <a:cs typeface="arial"/>
+                        <a:ea typeface="arial"/>
+                        <a:sym typeface="arial"/>
+                      </a:endParaRPr>
                       <a:r>
                         <a:rPr cap="none" sz="1400" i="0" b="1" u="none">
                           <a:solidFill>
@@ -6664,7 +7471,7 @@
                           <a:ea typeface="arial"/>
                           <a:sym typeface="arial"/>
                         </a:rPr>
-                        <a:t>B: Placebo</a:t>
+                        <a:t/>
                       </a:r>
                     </a:p>
                   </a:txBody>
@@ -6709,6 +7516,17 @@
                         </a:spcAft>
                         <a:buNone/>
                       </a:pPr>
+                      <a:endParaRPr cap="none" sz="1400" i="0" b="1" u="none">
+                        <a:solidFill>
+                          <a:srgbClr val="FFFFFF">
+                            <a:alpha val="100000"/>
+                          </a:srgbClr>
+                        </a:solidFill>
+                        <a:latin typeface="arial"/>
+                        <a:cs typeface="arial"/>
+                        <a:ea typeface="arial"/>
+                        <a:sym typeface="arial"/>
+                      </a:endParaRPr>
                       <a:r>
                         <a:rPr cap="none" sz="1400" i="0" b="1" u="none">
                           <a:solidFill>
@@ -6721,66 +7539,7 @@
                           <a:ea typeface="arial"/>
                           <a:sym typeface="arial"/>
                         </a:rPr>
-                        <a:t>All Patients</a:t>
-                      </a:r>
-                    </a:p>
-                  </a:txBody>
-                  <a:tcPr anchor="ctr" marB="38100" marT="38100" marR="0" marL="0">
-                    <a:lnL algn="ctr" cmpd="sng" cap="flat" w="0">
-                      <a:noFill/>
-                      <a:prstDash val="solid"/>
-                    </a:lnL>
-                    <a:lnR algn="ctr" cmpd="sng" cap="flat" w="0">
-                      <a:noFill/>
-                      <a:prstDash val="solid"/>
-                    </a:lnR>
-                    <a:lnT algn="ctr" cmpd="sng" cap="flat" w="0">
-                      <a:noFill/>
-                      <a:prstDash val="solid"/>
-                    </a:lnT>
-                    <a:lnB algn="ctr" cmpd="sng" cap="flat" w="0">
-                      <a:noFill/>
-                      <a:prstDash val="solid"/>
-                    </a:lnB>
-                    <a:solidFill>
-                      <a:srgbClr val="ED4A0D">
-                        <a:alpha val="100000"/>
-                      </a:srgbClr>
-                    </a:solidFill>
-                  </a:tcPr>
-                </a:tc>
-              </a:tr>
-              <a:tr h="267333">
-                <a:tc>
-                  <a:txBody>
-                    <a:bodyPr/>
-                    <a:lstStyle/>
-                    <a:p>
-                      <a:pPr algn="ctr" marL="63500" marR="63500">
-                        <a:lnSpc>
-                          <a:spcPct val="100000"/>
-                        </a:lnSpc>
-                        <a:spcBef>
-                          <a:spcPts val="300"/>
-                        </a:spcBef>
-                        <a:spcAft>
-                          <a:spcPts val="300"/>
-                        </a:spcAft>
-                        <a:buNone/>
-                      </a:pPr>
-                      <a:r>
-                        <a:rPr cap="none" sz="1400" i="0" b="1" u="none">
-                          <a:solidFill>
-                            <a:srgbClr val="FFFFFF">
-                              <a:alpha val="100000"/>
-                            </a:srgbClr>
-                          </a:solidFill>
-                          <a:latin typeface="arial"/>
-                          <a:cs typeface="arial"/>
-                          <a:ea typeface="arial"/>
-                          <a:sym typeface="arial"/>
-                        </a:rPr>
-                        <a:t>   MedDRA Preferred Term N (%)</a:t>
+                        <a:t/>
                       </a:r>
                     </a:p>
                   </a:txBody>
@@ -6825,6 +7584,17 @@
                         </a:spcAft>
                         <a:buNone/>
                       </a:pPr>
+                      <a:endParaRPr cap="none" sz="1400" i="0" b="1" u="none">
+                        <a:solidFill>
+                          <a:srgbClr val="FFFFFF">
+                            <a:alpha val="100000"/>
+                          </a:srgbClr>
+                        </a:solidFill>
+                        <a:latin typeface="arial"/>
+                        <a:cs typeface="arial"/>
+                        <a:ea typeface="arial"/>
+                        <a:sym typeface="arial"/>
+                      </a:endParaRPr>
                       <a:r>
                         <a:rPr cap="none" sz="1400" i="0" b="1" u="none">
                           <a:solidFill>
@@ -6837,7 +7607,7 @@
                           <a:ea typeface="arial"/>
                           <a:sym typeface="arial"/>
                         </a:rPr>
-                        <a:t>(N=134)</a:t>
+                        <a:t/>
                       </a:r>
                     </a:p>
                   </a:txBody>
@@ -6860,6 +7630,65 @@
                     </a:lnB>
                     <a:solidFill>
                       <a:srgbClr val="ED4A0D">
+                        <a:alpha val="100000"/>
+                      </a:srgbClr>
+                    </a:solidFill>
+                  </a:tcPr>
+                </a:tc>
+              </a:tr>
+              <a:tr h="243582">
+                <a:tc>
+                  <a:txBody>
+                    <a:bodyPr/>
+                    <a:lstStyle/>
+                    <a:p>
+                      <a:pPr algn="l" marL="127000" marR="63500">
+                        <a:lnSpc>
+                          <a:spcPct val="100000"/>
+                        </a:lnSpc>
+                        <a:spcBef>
+                          <a:spcPts val="300"/>
+                        </a:spcBef>
+                        <a:spcAft>
+                          <a:spcPts val="300"/>
+                        </a:spcAft>
+                        <a:buNone/>
+                      </a:pPr>
+                      <a:r>
+                        <a:rPr cap="none" sz="1200" i="0" b="0" u="none">
+                          <a:solidFill>
+                            <a:srgbClr val="000000">
+                              <a:alpha val="100000"/>
+                            </a:srgbClr>
+                          </a:solidFill>
+                          <a:latin typeface="arial"/>
+                          <a:cs typeface="arial"/>
+                          <a:ea typeface="arial"/>
+                          <a:sym typeface="arial"/>
+                        </a:rPr>
+                        <a:t>   MedDRA Preferred Term N (%)</a:t>
+                      </a:r>
+                    </a:p>
+                  </a:txBody>
+                  <a:tcPr anchor="ctr" marB="38100" marT="38100" marR="0" marL="0">
+                    <a:lnL algn="ctr" cmpd="sng" cap="flat" w="0">
+                      <a:noFill/>
+                      <a:prstDash val="solid"/>
+                    </a:lnL>
+                    <a:lnR algn="ctr" cmpd="sng" cap="flat" w="0">
+                      <a:noFill/>
+                      <a:prstDash val="solid"/>
+                    </a:lnR>
+                    <a:lnT algn="ctr" cmpd="sng" cap="flat" w="0">
+                      <a:noFill/>
+                      <a:prstDash val="solid"/>
+                    </a:lnT>
+                    <a:lnB algn="ctr" cmpd="sng" cap="flat" w="0">
+                      <a:noFill/>
+                      <a:prstDash val="solid"/>
+                    </a:lnB>
+                    <a:solidFill>
+                      <a:srgbClr val="FF7D29">
                         <a:alpha val="100000"/>
                       </a:srgbClr>
                     </a:solidFill>
@@ -6883,9 +7712,9 @@
                         <a:buNone/>
                       </a:pPr>
                       <a:r>
-                        <a:rPr cap="none" sz="1400" i="0" b="1" u="none">
+                        <a:rPr cap="none" sz="1200" i="0" b="0" u="none">
                           <a:solidFill>
-                            <a:srgbClr val="FFFFFF">
+                            <a:srgbClr val="000000">
                               <a:alpha val="100000"/>
                             </a:srgbClr>
                           </a:solidFill>
@@ -6894,7 +7723,7 @@
                           <a:ea typeface="arial"/>
                           <a:sym typeface="arial"/>
                         </a:rPr>
-                        <a:t>(N=134)</a:t>
+                        <a:t>A: Drug X</a:t>
                       </a:r>
                     </a:p>
                   </a:txBody>
@@ -6916,7 +7745,7 @@
                       <a:prstDash val="solid"/>
                     </a:lnB>
                     <a:solidFill>
-                      <a:srgbClr val="ED4A0D">
+                      <a:srgbClr val="FF7D29">
                         <a:alpha val="100000"/>
                       </a:srgbClr>
                     </a:solidFill>
@@ -6940,9 +7769,9 @@
                         <a:buNone/>
                       </a:pPr>
                       <a:r>
-                        <a:rPr cap="none" sz="1400" i="0" b="1" u="none">
+                        <a:rPr cap="none" sz="1200" i="0" b="0" u="none">
                           <a:solidFill>
-                            <a:srgbClr val="FFFFFF">
+                            <a:srgbClr val="000000">
                               <a:alpha val="100000"/>
                             </a:srgbClr>
                           </a:solidFill>
@@ -6951,7 +7780,7 @@
                           <a:ea typeface="arial"/>
                           <a:sym typeface="arial"/>
                         </a:rPr>
-                        <a:t>(N=268)</a:t>
+                        <a:t>B: Placebo</a:t>
                       </a:r>
                     </a:p>
                   </a:txBody>
@@ -6973,7 +7802,121 @@
                       <a:prstDash val="solid"/>
                     </a:lnB>
                     <a:solidFill>
-                      <a:srgbClr val="ED4A0D">
+                      <a:srgbClr val="FF7D29">
+                        <a:alpha val="100000"/>
+                      </a:srgbClr>
+                    </a:solidFill>
+                  </a:tcPr>
+                </a:tc>
+                <a:tc>
+                  <a:txBody>
+                    <a:bodyPr/>
+                    <a:lstStyle/>
+                    <a:p>
+                      <a:pPr algn="ctr" marL="63500" marR="63500">
+                        <a:lnSpc>
+                          <a:spcPct val="100000"/>
+                        </a:lnSpc>
+                        <a:spcBef>
+                          <a:spcPts val="300"/>
+                        </a:spcBef>
+                        <a:spcAft>
+                          <a:spcPts val="300"/>
+                        </a:spcAft>
+                        <a:buNone/>
+                      </a:pPr>
+                      <a:r>
+                        <a:rPr cap="none" sz="1200" i="0" b="0" u="none">
+                          <a:solidFill>
+                            <a:srgbClr val="000000">
+                              <a:alpha val="100000"/>
+                            </a:srgbClr>
+                          </a:solidFill>
+                          <a:latin typeface="arial"/>
+                          <a:cs typeface="arial"/>
+                          <a:ea typeface="arial"/>
+                          <a:sym typeface="arial"/>
+                        </a:rPr>
+                        <a:t>All Patients</a:t>
+                      </a:r>
+                    </a:p>
+                  </a:txBody>
+                  <a:tcPr anchor="ctr" marB="38100" marT="38100" marR="0" marL="0">
+                    <a:lnL algn="ctr" cmpd="sng" cap="flat" w="0">
+                      <a:noFill/>
+                      <a:prstDash val="solid"/>
+                    </a:lnL>
+                    <a:lnR algn="ctr" cmpd="sng" cap="flat" w="0">
+                      <a:noFill/>
+                      <a:prstDash val="solid"/>
+                    </a:lnR>
+                    <a:lnT algn="ctr" cmpd="sng" cap="flat" w="0">
+                      <a:noFill/>
+                      <a:prstDash val="solid"/>
+                    </a:lnT>
+                    <a:lnB algn="ctr" cmpd="sng" cap="flat" w="0">
+                      <a:noFill/>
+                      <a:prstDash val="solid"/>
+                    </a:lnB>
+                    <a:solidFill>
+                      <a:srgbClr val="FF7D29">
+                        <a:alpha val="100000"/>
+                      </a:srgbClr>
+                    </a:solidFill>
+                  </a:tcPr>
+                </a:tc>
+                <a:tc>
+                  <a:txBody>
+                    <a:bodyPr/>
+                    <a:lstStyle/>
+                    <a:p>
+                      <a:pPr algn="ctr" marL="63500" marR="63500">
+                        <a:lnSpc>
+                          <a:spcPct val="100000"/>
+                        </a:lnSpc>
+                        <a:spcBef>
+                          <a:spcPts val="300"/>
+                        </a:spcBef>
+                        <a:spcAft>
+                          <a:spcPts val="300"/>
+                        </a:spcAft>
+                        <a:buNone/>
+                      </a:pPr>
+                      <a:r>
+                        <a:rPr cap="none" sz="1200" i="0" b="0" u="none">
+                          <a:solidFill>
+                            <a:srgbClr val="000000">
+                              <a:alpha val="100000"/>
+                            </a:srgbClr>
+                          </a:solidFill>
+                          <a:latin typeface="arial"/>
+                          <a:cs typeface="arial"/>
+                          <a:ea typeface="arial"/>
+                          <a:sym typeface="arial"/>
+                        </a:rPr>
+                        <a:t>All Patients</a:t>
+                      </a:r>
+                    </a:p>
+                  </a:txBody>
+                  <a:tcPr anchor="ctr" marB="38100" marT="38100" marR="0" marL="0">
+                    <a:lnL algn="ctr" cmpd="sng" cap="flat" w="0">
+                      <a:noFill/>
+                      <a:prstDash val="solid"/>
+                    </a:lnL>
+                    <a:lnR algn="ctr" cmpd="sng" cap="flat" w="0">
+                      <a:noFill/>
+                      <a:prstDash val="solid"/>
+                    </a:lnR>
+                    <a:lnT algn="ctr" cmpd="sng" cap="flat" w="0">
+                      <a:noFill/>
+                      <a:prstDash val="solid"/>
+                    </a:lnT>
+                    <a:lnB algn="ctr" cmpd="sng" cap="flat" w="0">
+                      <a:noFill/>
+                      <a:prstDash val="solid"/>
+                    </a:lnB>
+                    <a:solidFill>
+                      <a:srgbClr val="FF7D29">
                         <a:alpha val="100000"/>
                       </a:srgbClr>
                     </a:solidFill>
@@ -7032,7 +7975,7 @@
                       <a:prstDash val="solid"/>
                     </a:lnB>
                     <a:solidFill>
-                      <a:srgbClr val="FF7D29">
+                      <a:srgbClr val="FFBD69">
                         <a:alpha val="100000"/>
                       </a:srgbClr>
                     </a:solidFill>
@@ -7100,7 +8043,7 @@
                       <a:prstDash val="solid"/>
                     </a:lnB>
                     <a:solidFill>
-                      <a:srgbClr val="FF7D29">
+                      <a:srgbClr val="FFBD69">
                         <a:alpha val="100000"/>
                       </a:srgbClr>
                     </a:solidFill>
@@ -7168,7 +8111,7 @@
                       <a:prstDash val="solid"/>
                     </a:lnB>
                     <a:solidFill>
-                      <a:srgbClr val="FF7D29">
+                      <a:srgbClr val="FFBD69">
                         <a:alpha val="100000"/>
                       </a:srgbClr>
                     </a:solidFill>
@@ -7236,7 +8179,75 @@
                       <a:prstDash val="solid"/>
                     </a:lnB>
                     <a:solidFill>
-                      <a:srgbClr val="FF7D29">
+                      <a:srgbClr val="FFBD69">
+                        <a:alpha val="100000"/>
+                      </a:srgbClr>
+                    </a:solidFill>
+                  </a:tcPr>
+                </a:tc>
+                <a:tc>
+                  <a:txBody>
+                    <a:bodyPr/>
+                    <a:lstStyle/>
+                    <a:p>
+                      <a:pPr algn="ctr" marL="63500" marR="63500">
+                        <a:lnSpc>
+                          <a:spcPct val="100000"/>
+                        </a:lnSpc>
+                        <a:spcBef>
+                          <a:spcPts val="300"/>
+                        </a:spcBef>
+                        <a:spcAft>
+                          <a:spcPts val="300"/>
+                        </a:spcAft>
+                        <a:buNone/>
+                      </a:pPr>
+                      <a:endParaRPr cap="none" sz="1200" i="0" b="0" u="none">
+                        <a:solidFill>
+                          <a:srgbClr val="000000">
+                            <a:alpha val="100000"/>
+                          </a:srgbClr>
+                        </a:solidFill>
+                        <a:latin typeface="arial"/>
+                        <a:cs typeface="arial"/>
+                        <a:ea typeface="arial"/>
+                        <a:sym typeface="arial"/>
+                      </a:endParaRPr>
+                      <a:r>
+                        <a:rPr cap="none" sz="1200" i="0" b="0" u="none">
+                          <a:solidFill>
+                            <a:srgbClr val="000000">
+                              <a:alpha val="100000"/>
+                            </a:srgbClr>
+                          </a:solidFill>
+                          <a:latin typeface="arial"/>
+                          <a:cs typeface="arial"/>
+                          <a:ea typeface="arial"/>
+                          <a:sym typeface="arial"/>
+                        </a:rPr>
+                        <a:t/>
+                      </a:r>
+                    </a:p>
+                  </a:txBody>
+                  <a:tcPr anchor="ctr" marB="38100" marT="38100" marR="0" marL="0">
+                    <a:lnL algn="ctr" cmpd="sng" cap="flat" w="0">
+                      <a:noFill/>
+                      <a:prstDash val="solid"/>
+                    </a:lnL>
+                    <a:lnR algn="ctr" cmpd="sng" cap="flat" w="0">
+                      <a:noFill/>
+                      <a:prstDash val="solid"/>
+                    </a:lnR>
+                    <a:lnT algn="ctr" cmpd="sng" cap="flat" w="0">
+                      <a:noFill/>
+                      <a:prstDash val="solid"/>
+                    </a:lnT>
+                    <a:lnB algn="ctr" cmpd="sng" cap="flat" w="0">
+                      <a:noFill/>
+                      <a:prstDash val="solid"/>
+                    </a:lnB>
+                    <a:solidFill>
+                      <a:srgbClr val="FFBD69">
                         <a:alpha val="100000"/>
                       </a:srgbClr>
                     </a:solidFill>
@@ -7249,7 +8260,7 @@
                     <a:bodyPr/>
                     <a:lstStyle/>
                     <a:p>
-                      <a:pPr algn="l" marL="127000" marR="63500">
+                      <a:pPr algn="ctr" marL="63500" marR="63500">
                         <a:lnSpc>
                           <a:spcPct val="100000"/>
                         </a:lnSpc>
@@ -7295,7 +8306,7 @@
                       <a:prstDash val="solid"/>
                     </a:lnB>
                     <a:solidFill>
-                      <a:srgbClr val="FFBD69">
+                      <a:srgbClr val="FF7D29">
                         <a:alpha val="100000"/>
                       </a:srgbClr>
                     </a:solidFill>
@@ -7352,7 +8363,7 @@
                       <a:prstDash val="solid"/>
                     </a:lnB>
                     <a:solidFill>
-                      <a:srgbClr val="FFBD69">
+                      <a:srgbClr val="FF7D29">
                         <a:alpha val="100000"/>
                       </a:srgbClr>
                     </a:solidFill>
@@ -7409,7 +8420,7 @@
                       <a:prstDash val="solid"/>
                     </a:lnB>
                     <a:solidFill>
-                      <a:srgbClr val="FFBD69">
+                      <a:srgbClr val="FF7D29">
                         <a:alpha val="100000"/>
                       </a:srgbClr>
                     </a:solidFill>
@@ -7466,7 +8477,64 @@
                       <a:prstDash val="solid"/>
                     </a:lnB>
                     <a:solidFill>
-                      <a:srgbClr val="FFBD69">
+                      <a:srgbClr val="FF7D29">
+                        <a:alpha val="100000"/>
+                      </a:srgbClr>
+                    </a:solidFill>
+                  </a:tcPr>
+                </a:tc>
+                <a:tc>
+                  <a:txBody>
+                    <a:bodyPr/>
+                    <a:lstStyle/>
+                    <a:p>
+                      <a:pPr algn="ctr" marL="63500" marR="63500">
+                        <a:lnSpc>
+                          <a:spcPct val="100000"/>
+                        </a:lnSpc>
+                        <a:spcBef>
+                          <a:spcPts val="300"/>
+                        </a:spcBef>
+                        <a:spcAft>
+                          <a:spcPts val="300"/>
+                        </a:spcAft>
+                        <a:buNone/>
+                      </a:pPr>
+                      <a:r>
+                        <a:rPr cap="none" sz="1200" i="0" b="0" u="none">
+                          <a:solidFill>
+                            <a:srgbClr val="000000">
+                              <a:alpha val="100000"/>
+                            </a:srgbClr>
+                          </a:solidFill>
+                          <a:latin typeface="arial"/>
+                          <a:cs typeface="arial"/>
+                          <a:ea typeface="arial"/>
+                          <a:sym typeface="arial"/>
+                        </a:rPr>
+                        <a:t>133 (33.2%)</a:t>
+                      </a:r>
+                    </a:p>
+                  </a:txBody>
+                  <a:tcPr anchor="ctr" marB="38100" marT="38100" marR="0" marL="0">
+                    <a:lnL algn="ctr" cmpd="sng" cap="flat" w="0">
+                      <a:noFill/>
+                      <a:prstDash val="solid"/>
+                    </a:lnL>
+                    <a:lnR algn="ctr" cmpd="sng" cap="flat" w="0">
+                      <a:noFill/>
+                      <a:prstDash val="solid"/>
+                    </a:lnR>
+                    <a:lnT algn="ctr" cmpd="sng" cap="flat" w="0">
+                      <a:noFill/>
+                      <a:prstDash val="solid"/>
+                    </a:lnT>
+                    <a:lnB algn="ctr" cmpd="sng" cap="flat" w="0">
+                      <a:noFill/>
+                      <a:prstDash val="solid"/>
+                    </a:lnB>
+                    <a:solidFill>
+                      <a:srgbClr val="FF7D29">
                         <a:alpha val="100000"/>
                       </a:srgbClr>
                     </a:solidFill>
@@ -7474,7 +8542,7 @@
                 </a:tc>
               </a:tr>
               <a:tr h="228600">
-                <a:tc gridSpan="4">
+                <a:tc gridSpan="5">
                   <a:txBody>
                     <a:bodyPr/>
                     <a:lstStyle/>
@@ -7546,6 +8614,74 @@
                           <a:sym typeface="DejaVu Sans"/>
                         </a:rPr>
                         <a:t>; </a:t>
+                      </a:r>
+                    </a:p>
+                  </a:txBody>
+                  <a:tcPr anchor="ctr" marB="63500" marT="63500" marR="0" marL="0">
+                    <a:lnL algn="ctr" cmpd="sng" cap="flat" w="0">
+                      <a:noFill/>
+                      <a:prstDash val="solid"/>
+                    </a:lnL>
+                    <a:lnR algn="ctr" cmpd="sng" cap="flat" w="0">
+                      <a:noFill/>
+                      <a:prstDash val="solid"/>
+                    </a:lnR>
+                    <a:lnT algn="ctr" cmpd="sng" cap="flat" w="0">
+                      <a:noFill/>
+                      <a:prstDash val="solid"/>
+                    </a:lnT>
+                    <a:lnB algn="ctr" cmpd="sng" cap="flat" w="0">
+                      <a:noFill/>
+                      <a:prstDash val="solid"/>
+                    </a:lnB>
+                    <a:solidFill>
+                      <a:srgbClr val="FFFFFF">
+                        <a:alpha val="0"/>
+                      </a:srgbClr>
+                    </a:solidFill>
+                  </a:tcPr>
+                </a:tc>
+                <a:tc hMerge="true">
+                  <a:txBody>
+                    <a:bodyPr/>
+                    <a:lstStyle/>
+                    <a:p>
+                      <a:pPr algn="l" marL="63500" marR="63500">
+                        <a:lnSpc>
+                          <a:spcPct val="100000"/>
+                        </a:lnSpc>
+                        <a:spcBef>
+                          <a:spcPts val="500"/>
+                        </a:spcBef>
+                        <a:spcAft>
+                          <a:spcPts val="500"/>
+                        </a:spcAft>
+                        <a:buNone/>
+                      </a:pPr>
+                      <a:endParaRPr cap="none" sz="1100" i="0" b="0" u="none">
+                        <a:solidFill>
+                          <a:srgbClr val="000000">
+                            <a:alpha val="100000"/>
+                          </a:srgbClr>
+                        </a:solidFill>
+                        <a:latin typeface="DejaVu Sans"/>
+                        <a:cs typeface="DejaVu Sans"/>
+                        <a:ea typeface="DejaVu Sans"/>
+                        <a:sym typeface="DejaVu Sans"/>
+                      </a:endParaRPr>
+                      <a:r>
+                        <a:rPr cap="none" sz="1100" i="0" b="0" u="none">
+                          <a:solidFill>
+                            <a:srgbClr val="000000">
+                              <a:alpha val="100000"/>
+                            </a:srgbClr>
+                          </a:solidFill>
+                          <a:latin typeface="DejaVu Sans"/>
+                          <a:cs typeface="DejaVu Sans"/>
+                          <a:ea typeface="DejaVu Sans"/>
+                          <a:sym typeface="DejaVu Sans"/>
+                        </a:rPr>
+                        <a:t/>
                       </a:r>
                     </a:p>
                   </a:txBody>
